--- a/Impacts of Trade on National Productivity and Well-Being.pptx
+++ b/Impacts of Trade on National Productivity and Well-Being.pptx
@@ -17,9 +17,19 @@
     <p:sldId id="264" r:id="rId11"/>
     <p:sldId id="267" r:id="rId12"/>
     <p:sldId id="262" r:id="rId13"/>
-    <p:sldId id="263" r:id="rId14"/>
-    <p:sldId id="266" r:id="rId15"/>
-    <p:sldId id="268" r:id="rId16"/>
+    <p:sldId id="270" r:id="rId14"/>
+    <p:sldId id="263" r:id="rId15"/>
+    <p:sldId id="266" r:id="rId16"/>
+    <p:sldId id="268" r:id="rId17"/>
+    <p:sldId id="269" r:id="rId18"/>
+    <p:sldId id="271" r:id="rId19"/>
+    <p:sldId id="272" r:id="rId20"/>
+    <p:sldId id="273" r:id="rId21"/>
+    <p:sldId id="274" r:id="rId22"/>
+    <p:sldId id="275" r:id="rId23"/>
+    <p:sldId id="276" r:id="rId24"/>
+    <p:sldId id="277" r:id="rId25"/>
+    <p:sldId id="278" r:id="rId26"/>
   </p:sldIdLst>
   <p:sldSz cx="12192000" cy="6858000"/>
   <p:notesSz cx="6858000" cy="9144000"/>
@@ -129,7 +139,7 @@
 <file path=ppt/revisionInfo.xml><?xml version="1.0" encoding="utf-8"?>
 <p1510:revInfo xmlns:a="http://schemas.openxmlformats.org/drawingml/2006/main" xmlns:r="http://schemas.openxmlformats.org/officeDocument/2006/relationships" xmlns:p1510="http://schemas.microsoft.com/office/powerpoint/2015/10/main">
   <p1510:revLst>
-    <p1510:client id="{E1F1C1CC-BEC4-4E51-BFF1-5ABCA198B59D}" v="952" dt="2020-03-11T00:24:31.855"/>
+    <p1510:client id="{E1F1C1CC-BEC4-4E51-BFF1-5ABCA198B59D}" v="1702" dt="2020-03-11T02:06:39.825"/>
   </p1510:revLst>
 </p1510:revInfo>
 </file>
@@ -138,8 +148,8 @@
 <pc:chgInfo xmlns:a="http://schemas.openxmlformats.org/drawingml/2006/main" xmlns:r="http://schemas.openxmlformats.org/officeDocument/2006/relationships" xmlns:ac="http://schemas.microsoft.com/office/drawing/2013/main/command" xmlns:pc="http://schemas.microsoft.com/office/powerpoint/2013/main/command">
   <pc:docChgLst>
     <pc:chgData name="Ben Roseburrough" userId="cfb877d285e39445" providerId="LiveId" clId="{E1F1C1CC-BEC4-4E51-BFF1-5ABCA198B59D}"/>
-    <pc:docChg chg="undo custSel mod addSld delSld modSld">
-      <pc:chgData name="Ben Roseburrough" userId="cfb877d285e39445" providerId="LiveId" clId="{E1F1C1CC-BEC4-4E51-BFF1-5ABCA198B59D}" dt="2020-03-11T00:28:53.098" v="4208" actId="20577"/>
+    <pc:docChg chg="undo custSel mod addSld delSld modSld sldOrd">
+      <pc:chgData name="Ben Roseburrough" userId="cfb877d285e39445" providerId="LiveId" clId="{E1F1C1CC-BEC4-4E51-BFF1-5ABCA198B59D}" dt="2020-03-11T02:14:23.028" v="7501" actId="20577"/>
       <pc:docMkLst>
         <pc:docMk/>
       </pc:docMkLst>
@@ -738,13 +748,21 @@
         </pc:picChg>
       </pc:sldChg>
       <pc:sldChg chg="addSp delSp modSp add">
-        <pc:chgData name="Ben Roseburrough" userId="cfb877d285e39445" providerId="LiveId" clId="{E1F1C1CC-BEC4-4E51-BFF1-5ABCA198B59D}" dt="2020-03-11T00:28:53.098" v="4208" actId="20577"/>
+        <pc:chgData name="Ben Roseburrough" userId="cfb877d285e39445" providerId="LiveId" clId="{E1F1C1CC-BEC4-4E51-BFF1-5ABCA198B59D}" dt="2020-03-11T01:09:49.036" v="5535" actId="20577"/>
         <pc:sldMkLst>
           <pc:docMk/>
           <pc:sldMk cId="3093176393" sldId="268"/>
         </pc:sldMkLst>
         <pc:spChg chg="mod">
-          <ac:chgData name="Ben Roseburrough" userId="cfb877d285e39445" providerId="LiveId" clId="{E1F1C1CC-BEC4-4E51-BFF1-5ABCA198B59D}" dt="2020-03-11T00:28:53.098" v="4208" actId="20577"/>
+          <ac:chgData name="Ben Roseburrough" userId="cfb877d285e39445" providerId="LiveId" clId="{E1F1C1CC-BEC4-4E51-BFF1-5ABCA198B59D}" dt="2020-03-11T01:09:49.036" v="5535" actId="20577"/>
+          <ac:spMkLst>
+            <pc:docMk/>
+            <pc:sldMk cId="3093176393" sldId="268"/>
+            <ac:spMk id="2" creationId="{3C695A30-3D1C-47B9-AE6E-B4D1A88AA42D}"/>
+          </ac:spMkLst>
+        </pc:spChg>
+        <pc:spChg chg="mod">
+          <ac:chgData name="Ben Roseburrough" userId="cfb877d285e39445" providerId="LiveId" clId="{E1F1C1CC-BEC4-4E51-BFF1-5ABCA198B59D}" dt="2020-03-11T00:56:08.426" v="4978" actId="20577"/>
           <ac:spMkLst>
             <pc:docMk/>
             <pc:sldMk cId="3093176393" sldId="268"/>
@@ -752,7 +770,7 @@
           </ac:spMkLst>
         </pc:spChg>
         <pc:picChg chg="add mod">
-          <ac:chgData name="Ben Roseburrough" userId="cfb877d285e39445" providerId="LiveId" clId="{E1F1C1CC-BEC4-4E51-BFF1-5ABCA198B59D}" dt="2020-03-11T00:24:00.064" v="3918" actId="14100"/>
+          <ac:chgData name="Ben Roseburrough" userId="cfb877d285e39445" providerId="LiveId" clId="{E1F1C1CC-BEC4-4E51-BFF1-5ABCA198B59D}" dt="2020-03-11T00:38:51.029" v="4209" actId="14100"/>
           <ac:picMkLst>
             <pc:docMk/>
             <pc:sldMk cId="3093176393" sldId="268"/>
@@ -768,11 +786,425 @@
           </ac:picMkLst>
         </pc:picChg>
         <pc:picChg chg="add mod">
-          <ac:chgData name="Ben Roseburrough" userId="cfb877d285e39445" providerId="LiveId" clId="{E1F1C1CC-BEC4-4E51-BFF1-5ABCA198B59D}" dt="2020-03-11T00:24:54.328" v="3923" actId="1076"/>
+          <ac:chgData name="Ben Roseburrough" userId="cfb877d285e39445" providerId="LiveId" clId="{E1F1C1CC-BEC4-4E51-BFF1-5ABCA198B59D}" dt="2020-03-11T00:38:54.777" v="4210" actId="14100"/>
           <ac:picMkLst>
             <pc:docMk/>
             <pc:sldMk cId="3093176393" sldId="268"/>
             <ac:picMk id="6" creationId="{99CDC8FB-1181-4C85-8596-ED0A49FAF516}"/>
+          </ac:picMkLst>
+        </pc:picChg>
+      </pc:sldChg>
+      <pc:sldChg chg="addSp delSp modSp add">
+        <pc:chgData name="Ben Roseburrough" userId="cfb877d285e39445" providerId="LiveId" clId="{E1F1C1CC-BEC4-4E51-BFF1-5ABCA198B59D}" dt="2020-03-11T01:10:00.216" v="5547" actId="20577"/>
+        <pc:sldMkLst>
+          <pc:docMk/>
+          <pc:sldMk cId="5648366" sldId="269"/>
+        </pc:sldMkLst>
+        <pc:spChg chg="mod">
+          <ac:chgData name="Ben Roseburrough" userId="cfb877d285e39445" providerId="LiveId" clId="{E1F1C1CC-BEC4-4E51-BFF1-5ABCA198B59D}" dt="2020-03-11T01:10:00.216" v="5547" actId="20577"/>
+          <ac:spMkLst>
+            <pc:docMk/>
+            <pc:sldMk cId="5648366" sldId="269"/>
+            <ac:spMk id="2" creationId="{3C695A30-3D1C-47B9-AE6E-B4D1A88AA42D}"/>
+          </ac:spMkLst>
+        </pc:spChg>
+        <pc:spChg chg="mod">
+          <ac:chgData name="Ben Roseburrough" userId="cfb877d285e39445" providerId="LiveId" clId="{E1F1C1CC-BEC4-4E51-BFF1-5ABCA198B59D}" dt="2020-03-11T00:43:10.079" v="4386" actId="20577"/>
+          <ac:spMkLst>
+            <pc:docMk/>
+            <pc:sldMk cId="5648366" sldId="269"/>
+            <ac:spMk id="4" creationId="{A17725EA-A294-4972-8B8D-C96D1236638E}"/>
+          </ac:spMkLst>
+        </pc:spChg>
+        <pc:spChg chg="add mod">
+          <ac:chgData name="Ben Roseburrough" userId="cfb877d285e39445" providerId="LiveId" clId="{E1F1C1CC-BEC4-4E51-BFF1-5ABCA198B59D}" dt="2020-03-11T00:47:58.863" v="4465" actId="692"/>
+          <ac:spMkLst>
+            <pc:docMk/>
+            <pc:sldMk cId="5648366" sldId="269"/>
+            <ac:spMk id="7" creationId="{9E8B6541-416B-4B03-840F-A007CEE8D27D}"/>
+          </ac:spMkLst>
+        </pc:spChg>
+        <pc:picChg chg="del">
+          <ac:chgData name="Ben Roseburrough" userId="cfb877d285e39445" providerId="LiveId" clId="{E1F1C1CC-BEC4-4E51-BFF1-5ABCA198B59D}" dt="2020-03-11T00:41:37.531" v="4342" actId="478"/>
+          <ac:picMkLst>
+            <pc:docMk/>
+            <pc:sldMk cId="5648366" sldId="269"/>
+            <ac:picMk id="3" creationId="{E156CC31-A4FF-48CD-AF19-E3395F06E0B6}"/>
+          </ac:picMkLst>
+        </pc:picChg>
+        <pc:picChg chg="add mod">
+          <ac:chgData name="Ben Roseburrough" userId="cfb877d285e39445" providerId="LiveId" clId="{E1F1C1CC-BEC4-4E51-BFF1-5ABCA198B59D}" dt="2020-03-11T00:44:22.090" v="4390" actId="1076"/>
+          <ac:picMkLst>
+            <pc:docMk/>
+            <pc:sldMk cId="5648366" sldId="269"/>
+            <ac:picMk id="5" creationId="{132E35BF-6C13-4907-86C4-0B200109C848}"/>
+          </ac:picMkLst>
+        </pc:picChg>
+        <pc:picChg chg="del">
+          <ac:chgData name="Ben Roseburrough" userId="cfb877d285e39445" providerId="LiveId" clId="{E1F1C1CC-BEC4-4E51-BFF1-5ABCA198B59D}" dt="2020-03-11T00:41:40.192" v="4343" actId="478"/>
+          <ac:picMkLst>
+            <pc:docMk/>
+            <pc:sldMk cId="5648366" sldId="269"/>
+            <ac:picMk id="6" creationId="{99CDC8FB-1181-4C85-8596-ED0A49FAF516}"/>
+          </ac:picMkLst>
+        </pc:picChg>
+        <pc:cxnChg chg="add mod">
+          <ac:chgData name="Ben Roseburrough" userId="cfb877d285e39445" providerId="LiveId" clId="{E1F1C1CC-BEC4-4E51-BFF1-5ABCA198B59D}" dt="2020-03-11T00:48:04.801" v="4466" actId="692"/>
+          <ac:cxnSpMkLst>
+            <pc:docMk/>
+            <pc:sldMk cId="5648366" sldId="269"/>
+            <ac:cxnSpMk id="9" creationId="{43EB9B92-EED7-4A0C-9254-93339BAC725A}"/>
+          </ac:cxnSpMkLst>
+        </pc:cxnChg>
+      </pc:sldChg>
+      <pc:sldChg chg="addSp delSp modSp add">
+        <pc:chgData name="Ben Roseburrough" userId="cfb877d285e39445" providerId="LiveId" clId="{E1F1C1CC-BEC4-4E51-BFF1-5ABCA198B59D}" dt="2020-03-11T00:55:31.992" v="4977" actId="20577"/>
+        <pc:sldMkLst>
+          <pc:docMk/>
+          <pc:sldMk cId="3260006304" sldId="270"/>
+        </pc:sldMkLst>
+        <pc:spChg chg="mod">
+          <ac:chgData name="Ben Roseburrough" userId="cfb877d285e39445" providerId="LiveId" clId="{E1F1C1CC-BEC4-4E51-BFF1-5ABCA198B59D}" dt="2020-03-11T00:49:20.349" v="4481" actId="20577"/>
+          <ac:spMkLst>
+            <pc:docMk/>
+            <pc:sldMk cId="3260006304" sldId="270"/>
+            <ac:spMk id="2" creationId="{3C695A30-3D1C-47B9-AE6E-B4D1A88AA42D}"/>
+          </ac:spMkLst>
+        </pc:spChg>
+        <pc:spChg chg="mod">
+          <ac:chgData name="Ben Roseburrough" userId="cfb877d285e39445" providerId="LiveId" clId="{E1F1C1CC-BEC4-4E51-BFF1-5ABCA198B59D}" dt="2020-03-11T00:55:31.992" v="4977" actId="20577"/>
+          <ac:spMkLst>
+            <pc:docMk/>
+            <pc:sldMk cId="3260006304" sldId="270"/>
+            <ac:spMk id="3" creationId="{2301F2B6-941D-425B-91B0-3EDAB23238C0}"/>
+          </ac:spMkLst>
+        </pc:spChg>
+        <pc:picChg chg="add mod">
+          <ac:chgData name="Ben Roseburrough" userId="cfb877d285e39445" providerId="LiveId" clId="{E1F1C1CC-BEC4-4E51-BFF1-5ABCA198B59D}" dt="2020-03-11T00:50:18.412" v="4485" actId="1076"/>
+          <ac:picMkLst>
+            <pc:docMk/>
+            <pc:sldMk cId="3260006304" sldId="270"/>
+            <ac:picMk id="4" creationId="{E2DA1E3F-CDE2-457E-B4CA-72392F9B580C}"/>
+          </ac:picMkLst>
+        </pc:picChg>
+        <pc:picChg chg="del">
+          <ac:chgData name="Ben Roseburrough" userId="cfb877d285e39445" providerId="LiveId" clId="{E1F1C1CC-BEC4-4E51-BFF1-5ABCA198B59D}" dt="2020-03-11T00:49:27.299" v="4482" actId="478"/>
+          <ac:picMkLst>
+            <pc:docMk/>
+            <pc:sldMk cId="3260006304" sldId="270"/>
+            <ac:picMk id="6" creationId="{5528F697-C40C-42E2-A96E-B438617C9682}"/>
+          </ac:picMkLst>
+        </pc:picChg>
+        <pc:picChg chg="del">
+          <ac:chgData name="Ben Roseburrough" userId="cfb877d285e39445" providerId="LiveId" clId="{E1F1C1CC-BEC4-4E51-BFF1-5ABCA198B59D}" dt="2020-03-11T00:49:29.964" v="4483" actId="478"/>
+          <ac:picMkLst>
+            <pc:docMk/>
+            <pc:sldMk cId="3260006304" sldId="270"/>
+            <ac:picMk id="7" creationId="{8DC85F87-C2A3-44EB-80E7-00EC25CA3192}"/>
+          </ac:picMkLst>
+        </pc:picChg>
+      </pc:sldChg>
+      <pc:sldChg chg="addSp delSp modSp add ord setBg">
+        <pc:chgData name="Ben Roseburrough" userId="cfb877d285e39445" providerId="LiveId" clId="{E1F1C1CC-BEC4-4E51-BFF1-5ABCA198B59D}" dt="2020-03-11T01:10:57.669" v="5549"/>
+        <pc:sldMkLst>
+          <pc:docMk/>
+          <pc:sldMk cId="2650127079" sldId="271"/>
+        </pc:sldMkLst>
+        <pc:spChg chg="mod">
+          <ac:chgData name="Ben Roseburrough" userId="cfb877d285e39445" providerId="LiveId" clId="{E1F1C1CC-BEC4-4E51-BFF1-5ABCA198B59D}" dt="2020-03-11T01:08:30.357" v="5451" actId="207"/>
+          <ac:spMkLst>
+            <pc:docMk/>
+            <pc:sldMk cId="2650127079" sldId="271"/>
+            <ac:spMk id="2" creationId="{3C695A30-3D1C-47B9-AE6E-B4D1A88AA42D}"/>
+          </ac:spMkLst>
+        </pc:spChg>
+        <pc:spChg chg="mod">
+          <ac:chgData name="Ben Roseburrough" userId="cfb877d285e39445" providerId="LiveId" clId="{E1F1C1CC-BEC4-4E51-BFF1-5ABCA198B59D}" dt="2020-03-11T01:09:14.020" v="5523" actId="692"/>
+          <ac:spMkLst>
+            <pc:docMk/>
+            <pc:sldMk cId="2650127079" sldId="271"/>
+            <ac:spMk id="4" creationId="{A17725EA-A294-4972-8B8D-C96D1236638E}"/>
+          </ac:spMkLst>
+        </pc:spChg>
+        <pc:picChg chg="add mod">
+          <ac:chgData name="Ben Roseburrough" userId="cfb877d285e39445" providerId="LiveId" clId="{E1F1C1CC-BEC4-4E51-BFF1-5ABCA198B59D}" dt="2020-03-11T01:00:17.487" v="5054" actId="1076"/>
+          <ac:picMkLst>
+            <pc:docMk/>
+            <pc:sldMk cId="2650127079" sldId="271"/>
+            <ac:picMk id="3" creationId="{6086DE5C-3656-4FFA-8289-F00C431D3EDC}"/>
+          </ac:picMkLst>
+        </pc:picChg>
+        <pc:picChg chg="del">
+          <ac:chgData name="Ben Roseburrough" userId="cfb877d285e39445" providerId="LiveId" clId="{E1F1C1CC-BEC4-4E51-BFF1-5ABCA198B59D}" dt="2020-03-11T00:58:34.810" v="5048" actId="478"/>
+          <ac:picMkLst>
+            <pc:docMk/>
+            <pc:sldMk cId="2650127079" sldId="271"/>
+            <ac:picMk id="5" creationId="{77B6D973-0E94-42F3-BB84-B742E85A27C8}"/>
+          </ac:picMkLst>
+        </pc:picChg>
+      </pc:sldChg>
+      <pc:sldChg chg="addSp delSp modSp add">
+        <pc:chgData name="Ben Roseburrough" userId="cfb877d285e39445" providerId="LiveId" clId="{E1F1C1CC-BEC4-4E51-BFF1-5ABCA198B59D}" dt="2020-03-11T01:15:04.546" v="5645" actId="20577"/>
+        <pc:sldMkLst>
+          <pc:docMk/>
+          <pc:sldMk cId="1831075906" sldId="272"/>
+        </pc:sldMkLst>
+        <pc:spChg chg="mod">
+          <ac:chgData name="Ben Roseburrough" userId="cfb877d285e39445" providerId="LiveId" clId="{E1F1C1CC-BEC4-4E51-BFF1-5ABCA198B59D}" dt="2020-03-11T01:11:22.378" v="5562" actId="20577"/>
+          <ac:spMkLst>
+            <pc:docMk/>
+            <pc:sldMk cId="1831075906" sldId="272"/>
+            <ac:spMk id="2" creationId="{3C695A30-3D1C-47B9-AE6E-B4D1A88AA42D}"/>
+          </ac:spMkLst>
+        </pc:spChg>
+        <pc:spChg chg="mod">
+          <ac:chgData name="Ben Roseburrough" userId="cfb877d285e39445" providerId="LiveId" clId="{E1F1C1CC-BEC4-4E51-BFF1-5ABCA198B59D}" dt="2020-03-11T01:15:04.546" v="5645" actId="20577"/>
+          <ac:spMkLst>
+            <pc:docMk/>
+            <pc:sldMk cId="1831075906" sldId="272"/>
+            <ac:spMk id="4" creationId="{A17725EA-A294-4972-8B8D-C96D1236638E}"/>
+          </ac:spMkLst>
+        </pc:spChg>
+        <pc:picChg chg="del">
+          <ac:chgData name="Ben Roseburrough" userId="cfb877d285e39445" providerId="LiveId" clId="{E1F1C1CC-BEC4-4E51-BFF1-5ABCA198B59D}" dt="2020-03-11T01:11:30.491" v="5563" actId="478"/>
+          <ac:picMkLst>
+            <pc:docMk/>
+            <pc:sldMk cId="1831075906" sldId="272"/>
+            <ac:picMk id="3" creationId="{6086DE5C-3656-4FFA-8289-F00C431D3EDC}"/>
+          </ac:picMkLst>
+        </pc:picChg>
+        <pc:picChg chg="add mod">
+          <ac:chgData name="Ben Roseburrough" userId="cfb877d285e39445" providerId="LiveId" clId="{E1F1C1CC-BEC4-4E51-BFF1-5ABCA198B59D}" dt="2020-03-11T01:12:31.452" v="5568" actId="1076"/>
+          <ac:picMkLst>
+            <pc:docMk/>
+            <pc:sldMk cId="1831075906" sldId="272"/>
+            <ac:picMk id="5" creationId="{72A2E616-082D-4358-B8A9-6C44EEA34F37}"/>
+          </ac:picMkLst>
+        </pc:picChg>
+        <pc:picChg chg="add mod">
+          <ac:chgData name="Ben Roseburrough" userId="cfb877d285e39445" providerId="LiveId" clId="{E1F1C1CC-BEC4-4E51-BFF1-5ABCA198B59D}" dt="2020-03-11T01:13:11.716" v="5572" actId="1076"/>
+          <ac:picMkLst>
+            <pc:docMk/>
+            <pc:sldMk cId="1831075906" sldId="272"/>
+            <ac:picMk id="6" creationId="{2955C783-1971-4C08-BD68-50326556A122}"/>
+          </ac:picMkLst>
+        </pc:picChg>
+      </pc:sldChg>
+      <pc:sldChg chg="addSp delSp modSp add">
+        <pc:chgData name="Ben Roseburrough" userId="cfb877d285e39445" providerId="LiveId" clId="{E1F1C1CC-BEC4-4E51-BFF1-5ABCA198B59D}" dt="2020-03-11T01:24:11.157" v="5746" actId="692"/>
+        <pc:sldMkLst>
+          <pc:docMk/>
+          <pc:sldMk cId="723821682" sldId="273"/>
+        </pc:sldMkLst>
+        <pc:spChg chg="mod">
+          <ac:chgData name="Ben Roseburrough" userId="cfb877d285e39445" providerId="LiveId" clId="{E1F1C1CC-BEC4-4E51-BFF1-5ABCA198B59D}" dt="2020-03-11T01:18:23.734" v="5680" actId="20577"/>
+          <ac:spMkLst>
+            <pc:docMk/>
+            <pc:sldMk cId="723821682" sldId="273"/>
+            <ac:spMk id="4" creationId="{A17725EA-A294-4972-8B8D-C96D1236638E}"/>
+          </ac:spMkLst>
+        </pc:spChg>
+        <pc:spChg chg="add mod">
+          <ac:chgData name="Ben Roseburrough" userId="cfb877d285e39445" providerId="LiveId" clId="{E1F1C1CC-BEC4-4E51-BFF1-5ABCA198B59D}" dt="2020-03-11T01:23:50.669" v="5744" actId="692"/>
+          <ac:spMkLst>
+            <pc:docMk/>
+            <pc:sldMk cId="723821682" sldId="273"/>
+            <ac:spMk id="7" creationId="{39E60D78-8888-4427-A474-BBABC354C949}"/>
+          </ac:spMkLst>
+        </pc:spChg>
+        <pc:picChg chg="add mod">
+          <ac:chgData name="Ben Roseburrough" userId="cfb877d285e39445" providerId="LiveId" clId="{E1F1C1CC-BEC4-4E51-BFF1-5ABCA198B59D}" dt="2020-03-11T01:19:42.625" v="5681" actId="1076"/>
+          <ac:picMkLst>
+            <pc:docMk/>
+            <pc:sldMk cId="723821682" sldId="273"/>
+            <ac:picMk id="3" creationId="{38AF02DE-234E-4DF0-914D-17F2BF715151}"/>
+          </ac:picMkLst>
+        </pc:picChg>
+        <pc:picChg chg="del">
+          <ac:chgData name="Ben Roseburrough" userId="cfb877d285e39445" providerId="LiveId" clId="{E1F1C1CC-BEC4-4E51-BFF1-5ABCA198B59D}" dt="2020-03-11T01:15:44.025" v="5647" actId="478"/>
+          <ac:picMkLst>
+            <pc:docMk/>
+            <pc:sldMk cId="723821682" sldId="273"/>
+            <ac:picMk id="5" creationId="{72A2E616-082D-4358-B8A9-6C44EEA34F37}"/>
+          </ac:picMkLst>
+        </pc:picChg>
+        <pc:picChg chg="del">
+          <ac:chgData name="Ben Roseburrough" userId="cfb877d285e39445" providerId="LiveId" clId="{E1F1C1CC-BEC4-4E51-BFF1-5ABCA198B59D}" dt="2020-03-11T01:15:46.311" v="5648" actId="478"/>
+          <ac:picMkLst>
+            <pc:docMk/>
+            <pc:sldMk cId="723821682" sldId="273"/>
+            <ac:picMk id="6" creationId="{2955C783-1971-4C08-BD68-50326556A122}"/>
+          </ac:picMkLst>
+        </pc:picChg>
+        <pc:cxnChg chg="add mod">
+          <ac:chgData name="Ben Roseburrough" userId="cfb877d285e39445" providerId="LiveId" clId="{E1F1C1CC-BEC4-4E51-BFF1-5ABCA198B59D}" dt="2020-03-11T01:24:11.157" v="5746" actId="692"/>
+          <ac:cxnSpMkLst>
+            <pc:docMk/>
+            <pc:sldMk cId="723821682" sldId="273"/>
+            <ac:cxnSpMk id="9" creationId="{8345ED5A-7DB9-4F77-B9D5-321767B0EF39}"/>
+          </ac:cxnSpMkLst>
+        </pc:cxnChg>
+      </pc:sldChg>
+      <pc:sldChg chg="modSp add setBg">
+        <pc:chgData name="Ben Roseburrough" userId="cfb877d285e39445" providerId="LiveId" clId="{E1F1C1CC-BEC4-4E51-BFF1-5ABCA198B59D}" dt="2020-03-11T01:22:40.086" v="5741" actId="207"/>
+        <pc:sldMkLst>
+          <pc:docMk/>
+          <pc:sldMk cId="3290838798" sldId="274"/>
+        </pc:sldMkLst>
+        <pc:spChg chg="mod">
+          <ac:chgData name="Ben Roseburrough" userId="cfb877d285e39445" providerId="LiveId" clId="{E1F1C1CC-BEC4-4E51-BFF1-5ABCA198B59D}" dt="2020-03-11T01:22:40.086" v="5741" actId="207"/>
+          <ac:spMkLst>
+            <pc:docMk/>
+            <pc:sldMk cId="3290838798" sldId="274"/>
+            <ac:spMk id="2" creationId="{777AC9F8-7FA8-4BA8-ACEC-CE735746B6D5}"/>
+          </ac:spMkLst>
+        </pc:spChg>
+      </pc:sldChg>
+      <pc:sldChg chg="modSp add setBg">
+        <pc:chgData name="Ben Roseburrough" userId="cfb877d285e39445" providerId="LiveId" clId="{E1F1C1CC-BEC4-4E51-BFF1-5ABCA198B59D}" dt="2020-03-11T01:58:52.283" v="6869" actId="313"/>
+        <pc:sldMkLst>
+          <pc:docMk/>
+          <pc:sldMk cId="2087730241" sldId="275"/>
+        </pc:sldMkLst>
+        <pc:spChg chg="mod">
+          <ac:chgData name="Ben Roseburrough" userId="cfb877d285e39445" providerId="LiveId" clId="{E1F1C1CC-BEC4-4E51-BFF1-5ABCA198B59D}" dt="2020-03-11T01:44:18.050" v="6323" actId="207"/>
+          <ac:spMkLst>
+            <pc:docMk/>
+            <pc:sldMk cId="2087730241" sldId="275"/>
+            <ac:spMk id="2" creationId="{0615068A-E97E-4791-9D97-E6FBD825DB98}"/>
+          </ac:spMkLst>
+        </pc:spChg>
+        <pc:spChg chg="mod">
+          <ac:chgData name="Ben Roseburrough" userId="cfb877d285e39445" providerId="LiveId" clId="{E1F1C1CC-BEC4-4E51-BFF1-5ABCA198B59D}" dt="2020-03-11T01:58:52.283" v="6869" actId="313"/>
+          <ac:spMkLst>
+            <pc:docMk/>
+            <pc:sldMk cId="2087730241" sldId="275"/>
+            <ac:spMk id="3" creationId="{0C5903D4-2C53-4AC7-A65D-483C2440D7AB}"/>
+          </ac:spMkLst>
+        </pc:spChg>
+      </pc:sldChg>
+      <pc:sldChg chg="addSp modSp add">
+        <pc:chgData name="Ben Roseburrough" userId="cfb877d285e39445" providerId="LiveId" clId="{E1F1C1CC-BEC4-4E51-BFF1-5ABCA198B59D}" dt="2020-03-11T01:59:08.876" v="6884" actId="14100"/>
+        <pc:sldMkLst>
+          <pc:docMk/>
+          <pc:sldMk cId="2657948030" sldId="276"/>
+        </pc:sldMkLst>
+        <pc:spChg chg="mod">
+          <ac:chgData name="Ben Roseburrough" userId="cfb877d285e39445" providerId="LiveId" clId="{E1F1C1CC-BEC4-4E51-BFF1-5ABCA198B59D}" dt="2020-03-11T01:55:15.976" v="6669" actId="14100"/>
+          <ac:spMkLst>
+            <pc:docMk/>
+            <pc:sldMk cId="2657948030" sldId="276"/>
+            <ac:spMk id="2" creationId="{0615068A-E97E-4791-9D97-E6FBD825DB98}"/>
+          </ac:spMkLst>
+        </pc:spChg>
+        <pc:spChg chg="mod">
+          <ac:chgData name="Ben Roseburrough" userId="cfb877d285e39445" providerId="LiveId" clId="{E1F1C1CC-BEC4-4E51-BFF1-5ABCA198B59D}" dt="2020-03-11T01:59:08.876" v="6884" actId="14100"/>
+          <ac:spMkLst>
+            <pc:docMk/>
+            <pc:sldMk cId="2657948030" sldId="276"/>
+            <ac:spMk id="3" creationId="{0C5903D4-2C53-4AC7-A65D-483C2440D7AB}"/>
+          </ac:spMkLst>
+        </pc:spChg>
+        <pc:picChg chg="add mod">
+          <ac:chgData name="Ben Roseburrough" userId="cfb877d285e39445" providerId="LiveId" clId="{E1F1C1CC-BEC4-4E51-BFF1-5ABCA198B59D}" dt="2020-03-11T01:55:23.779" v="6670" actId="1076"/>
+          <ac:picMkLst>
+            <pc:docMk/>
+            <pc:sldMk cId="2657948030" sldId="276"/>
+            <ac:picMk id="4" creationId="{E4A52BF2-BAF6-4AA4-B4A0-E2A071DF6954}"/>
+          </ac:picMkLst>
+        </pc:picChg>
+        <pc:picChg chg="add mod">
+          <ac:chgData name="Ben Roseburrough" userId="cfb877d285e39445" providerId="LiveId" clId="{E1F1C1CC-BEC4-4E51-BFF1-5ABCA198B59D}" dt="2020-03-11T01:56:24.254" v="6677" actId="1076"/>
+          <ac:picMkLst>
+            <pc:docMk/>
+            <pc:sldMk cId="2657948030" sldId="276"/>
+            <ac:picMk id="5" creationId="{E217A6F2-5AED-4DF5-8267-251B74975027}"/>
+          </ac:picMkLst>
+        </pc:picChg>
+      </pc:sldChg>
+      <pc:sldChg chg="addSp delSp modSp add">
+        <pc:chgData name="Ben Roseburrough" userId="cfb877d285e39445" providerId="LiveId" clId="{E1F1C1CC-BEC4-4E51-BFF1-5ABCA198B59D}" dt="2020-03-11T02:05:18.686" v="7268" actId="20577"/>
+        <pc:sldMkLst>
+          <pc:docMk/>
+          <pc:sldMk cId="1250515265" sldId="277"/>
+        </pc:sldMkLst>
+        <pc:spChg chg="mod">
+          <ac:chgData name="Ben Roseburrough" userId="cfb877d285e39445" providerId="LiveId" clId="{E1F1C1CC-BEC4-4E51-BFF1-5ABCA198B59D}" dt="2020-03-11T01:59:50.412" v="6918" actId="20577"/>
+          <ac:spMkLst>
+            <pc:docMk/>
+            <pc:sldMk cId="1250515265" sldId="277"/>
+            <ac:spMk id="2" creationId="{0615068A-E97E-4791-9D97-E6FBD825DB98}"/>
+          </ac:spMkLst>
+        </pc:spChg>
+        <pc:spChg chg="mod">
+          <ac:chgData name="Ben Roseburrough" userId="cfb877d285e39445" providerId="LiveId" clId="{E1F1C1CC-BEC4-4E51-BFF1-5ABCA198B59D}" dt="2020-03-11T02:05:18.686" v="7268" actId="20577"/>
+          <ac:spMkLst>
+            <pc:docMk/>
+            <pc:sldMk cId="1250515265" sldId="277"/>
+            <ac:spMk id="3" creationId="{0C5903D4-2C53-4AC7-A65D-483C2440D7AB}"/>
+          </ac:spMkLst>
+        </pc:spChg>
+        <pc:picChg chg="del">
+          <ac:chgData name="Ben Roseburrough" userId="cfb877d285e39445" providerId="LiveId" clId="{E1F1C1CC-BEC4-4E51-BFF1-5ABCA198B59D}" dt="2020-03-11T02:00:10.502" v="6919" actId="478"/>
+          <ac:picMkLst>
+            <pc:docMk/>
+            <pc:sldMk cId="1250515265" sldId="277"/>
+            <ac:picMk id="4" creationId="{E4A52BF2-BAF6-4AA4-B4A0-E2A071DF6954}"/>
+          </ac:picMkLst>
+        </pc:picChg>
+        <pc:picChg chg="del">
+          <ac:chgData name="Ben Roseburrough" userId="cfb877d285e39445" providerId="LiveId" clId="{E1F1C1CC-BEC4-4E51-BFF1-5ABCA198B59D}" dt="2020-03-11T02:00:13.632" v="6920" actId="478"/>
+          <ac:picMkLst>
+            <pc:docMk/>
+            <pc:sldMk cId="1250515265" sldId="277"/>
+            <ac:picMk id="5" creationId="{E217A6F2-5AED-4DF5-8267-251B74975027}"/>
+          </ac:picMkLst>
+        </pc:picChg>
+        <pc:picChg chg="add mod">
+          <ac:chgData name="Ben Roseburrough" userId="cfb877d285e39445" providerId="LiveId" clId="{E1F1C1CC-BEC4-4E51-BFF1-5ABCA198B59D}" dt="2020-03-11T02:01:06.804" v="6923" actId="1076"/>
+          <ac:picMkLst>
+            <pc:docMk/>
+            <pc:sldMk cId="1250515265" sldId="277"/>
+            <ac:picMk id="6" creationId="{D5A0EF12-F26B-4694-BCD0-AE7E1D5147BB}"/>
+          </ac:picMkLst>
+        </pc:picChg>
+      </pc:sldChg>
+      <pc:sldChg chg="addSp delSp modSp add">
+        <pc:chgData name="Ben Roseburrough" userId="cfb877d285e39445" providerId="LiveId" clId="{E1F1C1CC-BEC4-4E51-BFF1-5ABCA198B59D}" dt="2020-03-11T02:14:23.028" v="7501" actId="20577"/>
+        <pc:sldMkLst>
+          <pc:docMk/>
+          <pc:sldMk cId="3032085703" sldId="278"/>
+        </pc:sldMkLst>
+        <pc:spChg chg="mod">
+          <ac:chgData name="Ben Roseburrough" userId="cfb877d285e39445" providerId="LiveId" clId="{E1F1C1CC-BEC4-4E51-BFF1-5ABCA198B59D}" dt="2020-03-11T02:06:05.428" v="7287" actId="1076"/>
+          <ac:spMkLst>
+            <pc:docMk/>
+            <pc:sldMk cId="3032085703" sldId="278"/>
+            <ac:spMk id="2" creationId="{0615068A-E97E-4791-9D97-E6FBD825DB98}"/>
+          </ac:spMkLst>
+        </pc:spChg>
+        <pc:spChg chg="mod">
+          <ac:chgData name="Ben Roseburrough" userId="cfb877d285e39445" providerId="LiveId" clId="{E1F1C1CC-BEC4-4E51-BFF1-5ABCA198B59D}" dt="2020-03-11T02:14:23.028" v="7501" actId="20577"/>
+          <ac:spMkLst>
+            <pc:docMk/>
+            <pc:sldMk cId="3032085703" sldId="278"/>
+            <ac:spMk id="3" creationId="{0C5903D4-2C53-4AC7-A65D-483C2440D7AB}"/>
+          </ac:spMkLst>
+        </pc:spChg>
+        <pc:picChg chg="add mod">
+          <ac:chgData name="Ben Roseburrough" userId="cfb877d285e39445" providerId="LiveId" clId="{E1F1C1CC-BEC4-4E51-BFF1-5ABCA198B59D}" dt="2020-03-11T02:06:52.357" v="7291" actId="1076"/>
+          <ac:picMkLst>
+            <pc:docMk/>
+            <pc:sldMk cId="3032085703" sldId="278"/>
+            <ac:picMk id="4" creationId="{F95E8C8D-F2A2-4915-8FF3-F3BA50A2B39B}"/>
+          </ac:picMkLst>
+        </pc:picChg>
+        <pc:picChg chg="del">
+          <ac:chgData name="Ben Roseburrough" userId="cfb877d285e39445" providerId="LiveId" clId="{E1F1C1CC-BEC4-4E51-BFF1-5ABCA198B59D}" dt="2020-03-11T02:06:08.062" v="7288" actId="478"/>
+          <ac:picMkLst>
+            <pc:docMk/>
+            <pc:sldMk cId="3032085703" sldId="278"/>
+            <ac:picMk id="6" creationId="{D5A0EF12-F26B-4694-BCD0-AE7E1D5147BB}"/>
           </ac:picMkLst>
         </pc:picChg>
       </pc:sldChg>
@@ -30960,6 +31392,207 @@
           </a:blip>
           <a:srcRect/>
           <a:stretch>
+            <a:fillRect/>
+          </a:stretch>
+        </a:blipFill>
+        <a:effectLst/>
+      </p:bgPr>
+    </p:bg>
+    <p:spTree>
+      <p:nvGrpSpPr>
+        <p:cNvPr id="1" name=""/>
+        <p:cNvGrpSpPr/>
+        <p:nvPr/>
+      </p:nvGrpSpPr>
+      <p:grpSpPr>
+        <a:xfrm>
+          <a:off x="0" y="0"/>
+          <a:ext cx="0" cy="0"/>
+          <a:chOff x="0" y="0"/>
+          <a:chExt cx="0" cy="0"/>
+        </a:xfrm>
+      </p:grpSpPr>
+      <p:sp>
+        <p:nvSpPr>
+          <p:cNvPr id="2" name="Title 1">
+            <a:extLst>
+              <a:ext uri="{FF2B5EF4-FFF2-40B4-BE49-F238E27FC236}">
+                <a16:creationId xmlns:a16="http://schemas.microsoft.com/office/drawing/2014/main" id="{3C695A30-3D1C-47B9-AE6E-B4D1A88AA42D}"/>
+              </a:ext>
+            </a:extLst>
+          </p:cNvPr>
+          <p:cNvSpPr>
+            <a:spLocks noGrp="1"/>
+          </p:cNvSpPr>
+          <p:nvPr>
+            <p:ph type="title"/>
+          </p:nvPr>
+        </p:nvSpPr>
+        <p:spPr>
+          <a:xfrm>
+            <a:off x="2231136" y="78867"/>
+            <a:ext cx="7729728" cy="1188720"/>
+          </a:xfrm>
+          <a:gradFill>
+            <a:gsLst>
+              <a:gs pos="75000">
+                <a:srgbClr val="0070C0"/>
+              </a:gs>
+              <a:gs pos="100000">
+                <a:schemeClr val="accent2">
+                  <a:lumMod val="70000"/>
+                </a:schemeClr>
+              </a:gs>
+            </a:gsLst>
+            <a:path path="shape">
+              <a:fillToRect l="50000" t="50000" r="50000" b="50000"/>
+            </a:path>
+          </a:gradFill>
+        </p:spPr>
+        <p:txBody>
+          <a:bodyPr/>
+          <a:lstStyle/>
+          <a:p>
+            <a:r>
+              <a:rPr lang="en-US" dirty="0">
+                <a:solidFill>
+                  <a:schemeClr val="bg1"/>
+                </a:solidFill>
+              </a:rPr>
+              <a:t>Data analysis process – Exports &amp; imports (validation)</a:t>
+            </a:r>
+          </a:p>
+        </p:txBody>
+      </p:sp>
+      <p:sp>
+        <p:nvSpPr>
+          <p:cNvPr id="3" name="Content Placeholder 2">
+            <a:extLst>
+              <a:ext uri="{FF2B5EF4-FFF2-40B4-BE49-F238E27FC236}">
+                <a16:creationId xmlns:a16="http://schemas.microsoft.com/office/drawing/2014/main" id="{2301F2B6-941D-425B-91B0-3EDAB23238C0}"/>
+              </a:ext>
+            </a:extLst>
+          </p:cNvPr>
+          <p:cNvSpPr>
+            <a:spLocks noGrp="1"/>
+          </p:cNvSpPr>
+          <p:nvPr>
+            <p:ph idx="1"/>
+          </p:nvPr>
+        </p:nvSpPr>
+        <p:spPr>
+          <a:xfrm>
+            <a:off x="266700" y="1467613"/>
+            <a:ext cx="11658599" cy="1504188"/>
+          </a:xfrm>
+          <a:gradFill flip="none" rotWithShape="1">
+            <a:gsLst>
+              <a:gs pos="75000">
+                <a:srgbClr val="0070C0"/>
+              </a:gs>
+              <a:gs pos="100000">
+                <a:schemeClr val="accent2">
+                  <a:lumMod val="70000"/>
+                </a:schemeClr>
+              </a:gs>
+            </a:gsLst>
+            <a:path path="shape">
+              <a:fillToRect l="50000" t="50000" r="50000" b="50000"/>
+            </a:path>
+            <a:tileRect/>
+          </a:gradFill>
+        </p:spPr>
+        <p:txBody>
+          <a:bodyPr>
+            <a:normAutofit fontScale="92500" lnSpcReduction="20000"/>
+          </a:bodyPr>
+          <a:lstStyle/>
+          <a:p>
+            <a:r>
+              <a:rPr lang="en-US" dirty="0">
+                <a:solidFill>
+                  <a:schemeClr val="bg1"/>
+                </a:solidFill>
+              </a:rPr>
+              <a:t>As a means of validating the data from the World Bank, the average of Imports of all countries was compared to the average Exports of all countries for every available year.</a:t>
+            </a:r>
+          </a:p>
+          <a:p>
+            <a:r>
+              <a:rPr lang="en-US" dirty="0">
+                <a:solidFill>
+                  <a:schemeClr val="bg1"/>
+                </a:solidFill>
+              </a:rPr>
+              <a:t>The data shows a virtually perfect linear correlation, indicating that the dollar value of each import was matched by the dollar amount of each export.</a:t>
+            </a:r>
+          </a:p>
+          <a:p>
+            <a:r>
+              <a:rPr lang="en-US" dirty="0">
+                <a:solidFill>
+                  <a:schemeClr val="bg1"/>
+                </a:solidFill>
+              </a:rPr>
+              <a:t>This would tend to make the data more trustworthy.</a:t>
+            </a:r>
+          </a:p>
+        </p:txBody>
+      </p:sp>
+      <p:pic>
+        <p:nvPicPr>
+          <p:cNvPr id="4" name="Picture 3">
+            <a:extLst>
+              <a:ext uri="{FF2B5EF4-FFF2-40B4-BE49-F238E27FC236}">
+                <a16:creationId xmlns:a16="http://schemas.microsoft.com/office/drawing/2014/main" id="{E2DA1E3F-CDE2-457E-B4CA-72392F9B580C}"/>
+              </a:ext>
+            </a:extLst>
+          </p:cNvPr>
+          <p:cNvPicPr>
+            <a:picLocks noChangeAspect="1"/>
+          </p:cNvPicPr>
+          <p:nvPr/>
+        </p:nvPicPr>
+        <p:blipFill>
+          <a:blip r:embed="rId3"/>
+          <a:stretch>
+            <a:fillRect/>
+          </a:stretch>
+        </p:blipFill>
+        <p:spPr>
+          <a:xfrm>
+            <a:off x="3752849" y="2971801"/>
+            <a:ext cx="4686300" cy="3933825"/>
+          </a:xfrm>
+          <a:prstGeom prst="rect">
+            <a:avLst/>
+          </a:prstGeom>
+        </p:spPr>
+      </p:pic>
+    </p:spTree>
+    <p:extLst>
+      <p:ext uri="{BB962C8B-B14F-4D97-AF65-F5344CB8AC3E}">
+        <p14:creationId xmlns:p14="http://schemas.microsoft.com/office/powerpoint/2010/main" val="3260006304"/>
+      </p:ext>
+    </p:extLst>
+  </p:cSld>
+  <p:clrMapOvr>
+    <a:masterClrMapping/>
+  </p:clrMapOvr>
+</p:sld>
+</file>
+
+<file path=ppt/slides/slide12.xml><?xml version="1.0" encoding="utf-8"?>
+<p:sld xmlns:a="http://schemas.openxmlformats.org/drawingml/2006/main" xmlns:r="http://schemas.openxmlformats.org/officeDocument/2006/relationships" xmlns:p="http://schemas.openxmlformats.org/presentationml/2006/main">
+  <p:cSld>
+    <p:bg>
+      <p:bgPr>
+        <a:blipFill dpi="0" rotWithShape="1">
+          <a:blip r:embed="rId2">
+            <a:lum/>
+          </a:blip>
+          <a:srcRect/>
+          <a:stretch>
             <a:fillRect l="-6000" r="-6000"/>
           </a:stretch>
         </a:blipFill>
@@ -31057,326 +31690,6 @@
     <p:extLst>
       <p:ext uri="{BB962C8B-B14F-4D97-AF65-F5344CB8AC3E}">
         <p14:creationId xmlns:p14="http://schemas.microsoft.com/office/powerpoint/2010/main" val="3557315116"/>
-      </p:ext>
-    </p:extLst>
-  </p:cSld>
-  <p:clrMapOvr>
-    <a:masterClrMapping/>
-  </p:clrMapOvr>
-</p:sld>
-</file>
-
-<file path=ppt/slides/slide12.xml><?xml version="1.0" encoding="utf-8"?>
-<p:sld xmlns:a="http://schemas.openxmlformats.org/drawingml/2006/main" xmlns:r="http://schemas.openxmlformats.org/officeDocument/2006/relationships" xmlns:p="http://schemas.openxmlformats.org/presentationml/2006/main">
-  <p:cSld>
-    <p:bg>
-      <p:bgPr>
-        <a:blipFill dpi="0" rotWithShape="1">
-          <a:blip r:embed="rId2">
-            <a:lum/>
-          </a:blip>
-          <a:srcRect/>
-          <a:stretch>
-            <a:fillRect/>
-          </a:stretch>
-        </a:blipFill>
-        <a:effectLst/>
-      </p:bgPr>
-    </p:bg>
-    <p:spTree>
-      <p:nvGrpSpPr>
-        <p:cNvPr id="1" name=""/>
-        <p:cNvGrpSpPr/>
-        <p:nvPr/>
-      </p:nvGrpSpPr>
-      <p:grpSpPr>
-        <a:xfrm>
-          <a:off x="0" y="0"/>
-          <a:ext cx="0" cy="0"/>
-          <a:chOff x="0" y="0"/>
-          <a:chExt cx="0" cy="0"/>
-        </a:xfrm>
-      </p:grpSpPr>
-      <p:sp>
-        <p:nvSpPr>
-          <p:cNvPr id="2" name="Title 1">
-            <a:extLst>
-              <a:ext uri="{FF2B5EF4-FFF2-40B4-BE49-F238E27FC236}">
-                <a16:creationId xmlns:a16="http://schemas.microsoft.com/office/drawing/2014/main" id="{3C695A30-3D1C-47B9-AE6E-B4D1A88AA42D}"/>
-              </a:ext>
-            </a:extLst>
-          </p:cNvPr>
-          <p:cNvSpPr>
-            <a:spLocks noGrp="1"/>
-          </p:cNvSpPr>
-          <p:nvPr>
-            <p:ph type="title"/>
-          </p:nvPr>
-        </p:nvSpPr>
-        <p:spPr>
-          <a:xfrm>
-            <a:off x="2157412" y="0"/>
-            <a:ext cx="7877175" cy="638175"/>
-          </a:xfrm>
-          <a:gradFill flip="none" rotWithShape="1">
-            <a:gsLst>
-              <a:gs pos="0">
-                <a:schemeClr val="accent3">
-                  <a:lumMod val="5000"/>
-                  <a:lumOff val="95000"/>
-                </a:schemeClr>
-              </a:gs>
-              <a:gs pos="98000">
-                <a:srgbClr val="FFC5C5"/>
-              </a:gs>
-              <a:gs pos="100000">
-                <a:schemeClr val="accent3">
-                  <a:lumMod val="45000"/>
-                  <a:lumOff val="55000"/>
-                </a:schemeClr>
-              </a:gs>
-              <a:gs pos="100000">
-                <a:schemeClr val="accent3">
-                  <a:lumMod val="30000"/>
-                  <a:lumOff val="70000"/>
-                </a:schemeClr>
-              </a:gs>
-            </a:gsLst>
-            <a:path path="shape">
-              <a:fillToRect l="50000" t="50000" r="50000" b="50000"/>
-            </a:path>
-            <a:tileRect/>
-          </a:gradFill>
-          <a:ln w="50800">
-            <a:solidFill>
-              <a:srgbClr val="C00000"/>
-            </a:solidFill>
-          </a:ln>
-        </p:spPr>
-        <p:txBody>
-          <a:bodyPr>
-            <a:normAutofit fontScale="90000"/>
-          </a:bodyPr>
-          <a:lstStyle/>
-          <a:p>
-            <a:r>
-              <a:rPr lang="en-US" dirty="0">
-                <a:solidFill>
-                  <a:srgbClr val="C00000"/>
-                </a:solidFill>
-              </a:rPr>
-              <a:t>Data analysis process – life expectancy</a:t>
-            </a:r>
-          </a:p>
-        </p:txBody>
-      </p:sp>
-      <p:sp>
-        <p:nvSpPr>
-          <p:cNvPr id="4" name="Title 1">
-            <a:extLst>
-              <a:ext uri="{FF2B5EF4-FFF2-40B4-BE49-F238E27FC236}">
-                <a16:creationId xmlns:a16="http://schemas.microsoft.com/office/drawing/2014/main" id="{A17725EA-A294-4972-8B8D-C96D1236638E}"/>
-              </a:ext>
-            </a:extLst>
-          </p:cNvPr>
-          <p:cNvSpPr txBox="1">
-            <a:spLocks/>
-          </p:cNvSpPr>
-          <p:nvPr/>
-        </p:nvSpPr>
-        <p:spPr bwMode="black">
-          <a:xfrm>
-            <a:off x="219074" y="905050"/>
-            <a:ext cx="11753849" cy="1123775"/>
-          </a:xfrm>
-          <a:prstGeom prst="rect">
-            <a:avLst/>
-          </a:prstGeom>
-          <a:gradFill flip="none" rotWithShape="1">
-            <a:gsLst>
-              <a:gs pos="0">
-                <a:schemeClr val="accent3">
-                  <a:lumMod val="5000"/>
-                  <a:lumOff val="95000"/>
-                </a:schemeClr>
-              </a:gs>
-              <a:gs pos="98000">
-                <a:srgbClr val="FFC5C5"/>
-              </a:gs>
-              <a:gs pos="100000">
-                <a:schemeClr val="accent3">
-                  <a:lumMod val="45000"/>
-                  <a:lumOff val="55000"/>
-                </a:schemeClr>
-              </a:gs>
-              <a:gs pos="100000">
-                <a:schemeClr val="accent3">
-                  <a:lumMod val="30000"/>
-                  <a:lumOff val="70000"/>
-                </a:schemeClr>
-              </a:gs>
-            </a:gsLst>
-            <a:path path="shape">
-              <a:fillToRect l="50000" t="50000" r="50000" b="50000"/>
-            </a:path>
-            <a:tileRect/>
-          </a:gradFill>
-          <a:ln w="50800" cap="sq">
-            <a:solidFill>
-              <a:srgbClr val="C00000"/>
-            </a:solidFill>
-            <a:miter lim="800000"/>
-          </a:ln>
-        </p:spPr>
-        <p:txBody>
-          <a:bodyPr vert="horz" lIns="182880" tIns="182880" rIns="182880" bIns="182880" rtlCol="0" anchor="ctr">
-            <a:noAutofit/>
-          </a:bodyPr>
-          <a:lstStyle>
-            <a:lvl1pPr algn="ctr" defTabSz="914400" rtl="0" eaLnBrk="1" latinLnBrk="0" hangingPunct="1">
-              <a:lnSpc>
-                <a:spcPct val="90000"/>
-              </a:lnSpc>
-              <a:spcBef>
-                <a:spcPct val="0"/>
-              </a:spcBef>
-              <a:buNone/>
-              <a:defRPr sz="2800" kern="1200" cap="all" spc="200" baseline="0">
-                <a:solidFill>
-                  <a:srgbClr val="262626"/>
-                </a:solidFill>
-                <a:latin typeface="+mj-lt"/>
-                <a:ea typeface="+mj-ea"/>
-                <a:cs typeface="+mj-cs"/>
-              </a:defRPr>
-            </a:lvl1pPr>
-          </a:lstStyle>
-          <a:p>
-            <a:pPr marL="228600" lvl="0" indent="-228600" algn="l">
-              <a:lnSpc>
-                <a:spcPct val="100000"/>
-              </a:lnSpc>
-              <a:spcBef>
-                <a:spcPts val="1000"/>
-              </a:spcBef>
-              <a:buClr>
-                <a:srgbClr val="9BAFB5"/>
-              </a:buClr>
-              <a:buFont typeface="Arial" panose="020B0604020202020204" pitchFamily="34" charset="0"/>
-              <a:buChar char="•"/>
-            </a:pPr>
-            <a:r>
-              <a:rPr lang="en-US" sz="1800" cap="none" spc="0" dirty="0">
-                <a:solidFill>
-                  <a:srgbClr val="C00000"/>
-                </a:solidFill>
-                <a:ea typeface="+mn-ea"/>
-                <a:cs typeface="+mn-cs"/>
-              </a:rPr>
-              <a:t>We started by looking at scatter plots showing the relationship between the life expectancy and GDP per Capita for years 1990 &amp; 2017.</a:t>
-            </a:r>
-          </a:p>
-          <a:p>
-            <a:pPr marL="228600" lvl="0" indent="-228600" algn="l">
-              <a:lnSpc>
-                <a:spcPct val="100000"/>
-              </a:lnSpc>
-              <a:spcBef>
-                <a:spcPts val="1000"/>
-              </a:spcBef>
-              <a:buClr>
-                <a:srgbClr val="9BAFB5"/>
-              </a:buClr>
-              <a:buFont typeface="Arial" panose="020B0604020202020204" pitchFamily="34" charset="0"/>
-              <a:buChar char="•"/>
-            </a:pPr>
-            <a:r>
-              <a:rPr lang="en-US" sz="1800" cap="none" spc="0" dirty="0">
-                <a:solidFill>
-                  <a:srgbClr val="C00000"/>
-                </a:solidFill>
-                <a:ea typeface="+mn-ea"/>
-                <a:cs typeface="+mn-cs"/>
-              </a:rPr>
-              <a:t>The </a:t>
-            </a:r>
-            <a:r>
-              <a:rPr lang="en-US" sz="1800" cap="none" spc="0" dirty="0" err="1">
-                <a:solidFill>
-                  <a:srgbClr val="C00000"/>
-                </a:solidFill>
-                <a:ea typeface="+mn-ea"/>
-                <a:cs typeface="+mn-cs"/>
-              </a:rPr>
-              <a:t>NumPy.IsNaN</a:t>
-            </a:r>
-            <a:r>
-              <a:rPr lang="en-US" sz="1800" cap="none" spc="0" dirty="0">
-                <a:solidFill>
-                  <a:srgbClr val="C00000"/>
-                </a:solidFill>
-                <a:ea typeface="+mn-ea"/>
-                <a:cs typeface="+mn-cs"/>
-              </a:rPr>
-              <a:t> function was again used to create a mask to filter out the </a:t>
-            </a:r>
-            <a:r>
-              <a:rPr lang="en-US" sz="1800" cap="none" spc="0" dirty="0" err="1">
-                <a:solidFill>
-                  <a:srgbClr val="C00000"/>
-                </a:solidFill>
-                <a:ea typeface="+mn-ea"/>
-                <a:cs typeface="+mn-cs"/>
-              </a:rPr>
-              <a:t>NaN</a:t>
-            </a:r>
-            <a:r>
-              <a:rPr lang="en-US" sz="1800" cap="none" spc="0" dirty="0">
-                <a:solidFill>
-                  <a:srgbClr val="C00000"/>
-                </a:solidFill>
-                <a:ea typeface="+mn-ea"/>
-                <a:cs typeface="+mn-cs"/>
-              </a:rPr>
-              <a:t> values to enable regression.</a:t>
-            </a:r>
-          </a:p>
-        </p:txBody>
-      </p:sp>
-      <p:pic>
-        <p:nvPicPr>
-          <p:cNvPr id="5" name="Picture 4">
-            <a:extLst>
-              <a:ext uri="{FF2B5EF4-FFF2-40B4-BE49-F238E27FC236}">
-                <a16:creationId xmlns:a16="http://schemas.microsoft.com/office/drawing/2014/main" id="{77B6D973-0E94-42F3-BB84-B742E85A27C8}"/>
-              </a:ext>
-            </a:extLst>
-          </p:cNvPr>
-          <p:cNvPicPr>
-            <a:picLocks noChangeAspect="1"/>
-          </p:cNvPicPr>
-          <p:nvPr/>
-        </p:nvPicPr>
-        <p:blipFill>
-          <a:blip r:embed="rId3"/>
-          <a:stretch>
-            <a:fillRect/>
-          </a:stretch>
-        </p:blipFill>
-        <p:spPr>
-          <a:xfrm>
-            <a:off x="1924048" y="2295700"/>
-            <a:ext cx="8343900" cy="4171950"/>
-          </a:xfrm>
-          <a:prstGeom prst="rect">
-            <a:avLst/>
-          </a:prstGeom>
-        </p:spPr>
-      </p:pic>
-    </p:spTree>
-    <p:extLst>
-      <p:ext uri="{BB962C8B-B14F-4D97-AF65-F5344CB8AC3E}">
-        <p14:creationId xmlns:p14="http://schemas.microsoft.com/office/powerpoint/2010/main" val="2632399907"/>
       </p:ext>
     </p:extLst>
   </p:cSld>
@@ -31506,6 +31819,326 @@
         </p:nvSpPr>
         <p:spPr bwMode="black">
           <a:xfrm>
+            <a:off x="219074" y="905050"/>
+            <a:ext cx="11753849" cy="1123775"/>
+          </a:xfrm>
+          <a:prstGeom prst="rect">
+            <a:avLst/>
+          </a:prstGeom>
+          <a:gradFill flip="none" rotWithShape="1">
+            <a:gsLst>
+              <a:gs pos="0">
+                <a:schemeClr val="accent3">
+                  <a:lumMod val="5000"/>
+                  <a:lumOff val="95000"/>
+                </a:schemeClr>
+              </a:gs>
+              <a:gs pos="98000">
+                <a:srgbClr val="FFC5C5"/>
+              </a:gs>
+              <a:gs pos="100000">
+                <a:schemeClr val="accent3">
+                  <a:lumMod val="45000"/>
+                  <a:lumOff val="55000"/>
+                </a:schemeClr>
+              </a:gs>
+              <a:gs pos="100000">
+                <a:schemeClr val="accent3">
+                  <a:lumMod val="30000"/>
+                  <a:lumOff val="70000"/>
+                </a:schemeClr>
+              </a:gs>
+            </a:gsLst>
+            <a:path path="shape">
+              <a:fillToRect l="50000" t="50000" r="50000" b="50000"/>
+            </a:path>
+            <a:tileRect/>
+          </a:gradFill>
+          <a:ln w="50800" cap="sq">
+            <a:solidFill>
+              <a:srgbClr val="C00000"/>
+            </a:solidFill>
+            <a:miter lim="800000"/>
+          </a:ln>
+        </p:spPr>
+        <p:txBody>
+          <a:bodyPr vert="horz" lIns="182880" tIns="182880" rIns="182880" bIns="182880" rtlCol="0" anchor="ctr">
+            <a:noAutofit/>
+          </a:bodyPr>
+          <a:lstStyle>
+            <a:lvl1pPr algn="ctr" defTabSz="914400" rtl="0" eaLnBrk="1" latinLnBrk="0" hangingPunct="1">
+              <a:lnSpc>
+                <a:spcPct val="90000"/>
+              </a:lnSpc>
+              <a:spcBef>
+                <a:spcPct val="0"/>
+              </a:spcBef>
+              <a:buNone/>
+              <a:defRPr sz="2800" kern="1200" cap="all" spc="200" baseline="0">
+                <a:solidFill>
+                  <a:srgbClr val="262626"/>
+                </a:solidFill>
+                <a:latin typeface="+mj-lt"/>
+                <a:ea typeface="+mj-ea"/>
+                <a:cs typeface="+mj-cs"/>
+              </a:defRPr>
+            </a:lvl1pPr>
+          </a:lstStyle>
+          <a:p>
+            <a:pPr marL="228600" lvl="0" indent="-228600" algn="l">
+              <a:lnSpc>
+                <a:spcPct val="100000"/>
+              </a:lnSpc>
+              <a:spcBef>
+                <a:spcPts val="1000"/>
+              </a:spcBef>
+              <a:buClr>
+                <a:srgbClr val="9BAFB5"/>
+              </a:buClr>
+              <a:buFont typeface="Arial" panose="020B0604020202020204" pitchFamily="34" charset="0"/>
+              <a:buChar char="•"/>
+            </a:pPr>
+            <a:r>
+              <a:rPr lang="en-US" sz="1800" cap="none" spc="0" dirty="0">
+                <a:solidFill>
+                  <a:srgbClr val="C00000"/>
+                </a:solidFill>
+                <a:ea typeface="+mn-ea"/>
+                <a:cs typeface="+mn-cs"/>
+              </a:rPr>
+              <a:t>We started by looking at scatter plots showing the relationship between the life expectancy and GDP per Capita for years 1990 &amp; 2017.</a:t>
+            </a:r>
+          </a:p>
+          <a:p>
+            <a:pPr marL="228600" lvl="0" indent="-228600" algn="l">
+              <a:lnSpc>
+                <a:spcPct val="100000"/>
+              </a:lnSpc>
+              <a:spcBef>
+                <a:spcPts val="1000"/>
+              </a:spcBef>
+              <a:buClr>
+                <a:srgbClr val="9BAFB5"/>
+              </a:buClr>
+              <a:buFont typeface="Arial" panose="020B0604020202020204" pitchFamily="34" charset="0"/>
+              <a:buChar char="•"/>
+            </a:pPr>
+            <a:r>
+              <a:rPr lang="en-US" sz="1800" cap="none" spc="0" dirty="0">
+                <a:solidFill>
+                  <a:srgbClr val="C00000"/>
+                </a:solidFill>
+                <a:ea typeface="+mn-ea"/>
+                <a:cs typeface="+mn-cs"/>
+              </a:rPr>
+              <a:t>The </a:t>
+            </a:r>
+            <a:r>
+              <a:rPr lang="en-US" sz="1800" cap="none" spc="0" dirty="0" err="1">
+                <a:solidFill>
+                  <a:srgbClr val="C00000"/>
+                </a:solidFill>
+                <a:ea typeface="+mn-ea"/>
+                <a:cs typeface="+mn-cs"/>
+              </a:rPr>
+              <a:t>NumPy.IsNaN</a:t>
+            </a:r>
+            <a:r>
+              <a:rPr lang="en-US" sz="1800" cap="none" spc="0" dirty="0">
+                <a:solidFill>
+                  <a:srgbClr val="C00000"/>
+                </a:solidFill>
+                <a:ea typeface="+mn-ea"/>
+                <a:cs typeface="+mn-cs"/>
+              </a:rPr>
+              <a:t> function was again used to create a mask to filter out the </a:t>
+            </a:r>
+            <a:r>
+              <a:rPr lang="en-US" sz="1800" cap="none" spc="0" dirty="0" err="1">
+                <a:solidFill>
+                  <a:srgbClr val="C00000"/>
+                </a:solidFill>
+                <a:ea typeface="+mn-ea"/>
+                <a:cs typeface="+mn-cs"/>
+              </a:rPr>
+              <a:t>NaN</a:t>
+            </a:r>
+            <a:r>
+              <a:rPr lang="en-US" sz="1800" cap="none" spc="0" dirty="0">
+                <a:solidFill>
+                  <a:srgbClr val="C00000"/>
+                </a:solidFill>
+                <a:ea typeface="+mn-ea"/>
+                <a:cs typeface="+mn-cs"/>
+              </a:rPr>
+              <a:t> values to enable regression.</a:t>
+            </a:r>
+          </a:p>
+        </p:txBody>
+      </p:sp>
+      <p:pic>
+        <p:nvPicPr>
+          <p:cNvPr id="5" name="Picture 4">
+            <a:extLst>
+              <a:ext uri="{FF2B5EF4-FFF2-40B4-BE49-F238E27FC236}">
+                <a16:creationId xmlns:a16="http://schemas.microsoft.com/office/drawing/2014/main" id="{77B6D973-0E94-42F3-BB84-B742E85A27C8}"/>
+              </a:ext>
+            </a:extLst>
+          </p:cNvPr>
+          <p:cNvPicPr>
+            <a:picLocks noChangeAspect="1"/>
+          </p:cNvPicPr>
+          <p:nvPr/>
+        </p:nvPicPr>
+        <p:blipFill>
+          <a:blip r:embed="rId3"/>
+          <a:stretch>
+            <a:fillRect/>
+          </a:stretch>
+        </p:blipFill>
+        <p:spPr>
+          <a:xfrm>
+            <a:off x="1924048" y="2295700"/>
+            <a:ext cx="8343900" cy="4171950"/>
+          </a:xfrm>
+          <a:prstGeom prst="rect">
+            <a:avLst/>
+          </a:prstGeom>
+        </p:spPr>
+      </p:pic>
+    </p:spTree>
+    <p:extLst>
+      <p:ext uri="{BB962C8B-B14F-4D97-AF65-F5344CB8AC3E}">
+        <p14:creationId xmlns:p14="http://schemas.microsoft.com/office/powerpoint/2010/main" val="2632399907"/>
+      </p:ext>
+    </p:extLst>
+  </p:cSld>
+  <p:clrMapOvr>
+    <a:masterClrMapping/>
+  </p:clrMapOvr>
+</p:sld>
+</file>
+
+<file path=ppt/slides/slide14.xml><?xml version="1.0" encoding="utf-8"?>
+<p:sld xmlns:a="http://schemas.openxmlformats.org/drawingml/2006/main" xmlns:r="http://schemas.openxmlformats.org/officeDocument/2006/relationships" xmlns:p="http://schemas.openxmlformats.org/presentationml/2006/main">
+  <p:cSld>
+    <p:bg>
+      <p:bgPr>
+        <a:blipFill dpi="0" rotWithShape="1">
+          <a:blip r:embed="rId2">
+            <a:lum/>
+          </a:blip>
+          <a:srcRect/>
+          <a:stretch>
+            <a:fillRect/>
+          </a:stretch>
+        </a:blipFill>
+        <a:effectLst/>
+      </p:bgPr>
+    </p:bg>
+    <p:spTree>
+      <p:nvGrpSpPr>
+        <p:cNvPr id="1" name=""/>
+        <p:cNvGrpSpPr/>
+        <p:nvPr/>
+      </p:nvGrpSpPr>
+      <p:grpSpPr>
+        <a:xfrm>
+          <a:off x="0" y="0"/>
+          <a:ext cx="0" cy="0"/>
+          <a:chOff x="0" y="0"/>
+          <a:chExt cx="0" cy="0"/>
+        </a:xfrm>
+      </p:grpSpPr>
+      <p:sp>
+        <p:nvSpPr>
+          <p:cNvPr id="2" name="Title 1">
+            <a:extLst>
+              <a:ext uri="{FF2B5EF4-FFF2-40B4-BE49-F238E27FC236}">
+                <a16:creationId xmlns:a16="http://schemas.microsoft.com/office/drawing/2014/main" id="{3C695A30-3D1C-47B9-AE6E-B4D1A88AA42D}"/>
+              </a:ext>
+            </a:extLst>
+          </p:cNvPr>
+          <p:cNvSpPr>
+            <a:spLocks noGrp="1"/>
+          </p:cNvSpPr>
+          <p:nvPr>
+            <p:ph type="title"/>
+          </p:nvPr>
+        </p:nvSpPr>
+        <p:spPr>
+          <a:xfrm>
+            <a:off x="2157412" y="0"/>
+            <a:ext cx="7877175" cy="638175"/>
+          </a:xfrm>
+          <a:gradFill flip="none" rotWithShape="1">
+            <a:gsLst>
+              <a:gs pos="0">
+                <a:schemeClr val="accent3">
+                  <a:lumMod val="5000"/>
+                  <a:lumOff val="95000"/>
+                </a:schemeClr>
+              </a:gs>
+              <a:gs pos="98000">
+                <a:srgbClr val="FFC5C5"/>
+              </a:gs>
+              <a:gs pos="100000">
+                <a:schemeClr val="accent3">
+                  <a:lumMod val="45000"/>
+                  <a:lumOff val="55000"/>
+                </a:schemeClr>
+              </a:gs>
+              <a:gs pos="100000">
+                <a:schemeClr val="accent3">
+                  <a:lumMod val="30000"/>
+                  <a:lumOff val="70000"/>
+                </a:schemeClr>
+              </a:gs>
+            </a:gsLst>
+            <a:path path="shape">
+              <a:fillToRect l="50000" t="50000" r="50000" b="50000"/>
+            </a:path>
+            <a:tileRect/>
+          </a:gradFill>
+          <a:ln w="50800">
+            <a:solidFill>
+              <a:srgbClr val="C00000"/>
+            </a:solidFill>
+          </a:ln>
+        </p:spPr>
+        <p:txBody>
+          <a:bodyPr>
+            <a:normAutofit fontScale="90000"/>
+          </a:bodyPr>
+          <a:lstStyle/>
+          <a:p>
+            <a:r>
+              <a:rPr lang="en-US" dirty="0">
+                <a:solidFill>
+                  <a:srgbClr val="C00000"/>
+                </a:solidFill>
+              </a:rPr>
+              <a:t>Data analysis process – life expectancy (continued)</a:t>
+            </a:r>
+          </a:p>
+        </p:txBody>
+      </p:sp>
+      <p:sp>
+        <p:nvSpPr>
+          <p:cNvPr id="4" name="Title 1">
+            <a:extLst>
+              <a:ext uri="{FF2B5EF4-FFF2-40B4-BE49-F238E27FC236}">
+                <a16:creationId xmlns:a16="http://schemas.microsoft.com/office/drawing/2014/main" id="{A17725EA-A294-4972-8B8D-C96D1236638E}"/>
+              </a:ext>
+            </a:extLst>
+          </p:cNvPr>
+          <p:cNvSpPr txBox="1">
+            <a:spLocks/>
+          </p:cNvSpPr>
+          <p:nvPr/>
+        </p:nvSpPr>
+        <p:spPr bwMode="black">
+          <a:xfrm>
             <a:off x="219074" y="5238751"/>
             <a:ext cx="11753849" cy="1619250"/>
           </a:xfrm>
@@ -31593,7 +32226,7 @@
                 <a:ea typeface="+mn-ea"/>
                 <a:cs typeface="+mn-cs"/>
               </a:rPr>
-              <a:t>The data showed that there wasn’t a linear relationship between Life Expectancy and GDP per Capita</a:t>
+              <a:t>The data showed that there wasn’t a linear relationship between Life Expectancy and GDP per Capita.</a:t>
             </a:r>
           </a:p>
           <a:p>
@@ -31618,17 +32251,7 @@
                 <a:ea typeface="+mn-ea"/>
                 <a:cs typeface="+mn-cs"/>
               </a:rPr>
-              <a:t>It has been shown that there is a strong logarithmic relationship between Life Expectancy and GDP </a:t>
-            </a:r>
-            <a:r>
-              <a:rPr lang="en-US" sz="1800" cap="none" spc="0">
-                <a:solidFill>
-                  <a:srgbClr val="C00000"/>
-                </a:solidFill>
-                <a:ea typeface="+mn-ea"/>
-                <a:cs typeface="+mn-cs"/>
-              </a:rPr>
-              <a:t>per Capita.</a:t>
+              <a:t>It has been shown that there is a strong logarithmic relationship between Life Expectancy and GDP per Capita.</a:t>
             </a:r>
           </a:p>
           <a:p>
@@ -31645,13 +32268,16 @@
               <a:buFont typeface="Arial" panose="020B0604020202020204" pitchFamily="34" charset="0"/>
               <a:buChar char="•"/>
             </a:pPr>
-            <a:endParaRPr lang="en-US" sz="1800" cap="none" spc="0" dirty="0">
-              <a:solidFill>
-                <a:srgbClr val="C00000"/>
-              </a:solidFill>
-              <a:ea typeface="+mn-ea"/>
-              <a:cs typeface="+mn-cs"/>
-            </a:endParaRPr>
+            <a:r>
+              <a:rPr lang="en-US" sz="1800" cap="none" spc="0" dirty="0">
+                <a:solidFill>
+                  <a:srgbClr val="C00000"/>
+                </a:solidFill>
+                <a:ea typeface="+mn-ea"/>
+                <a:cs typeface="+mn-cs"/>
+              </a:rPr>
+              <a:t>This means that Life Expectancy grows with GDP, but the rate of improvement slows as an economy advances.</a:t>
+            </a:r>
           </a:p>
         </p:txBody>
       </p:sp>
@@ -31677,8 +32303,8 @@
         </p:blipFill>
         <p:spPr>
           <a:xfrm>
-            <a:off x="133349" y="921037"/>
-            <a:ext cx="5314951" cy="4317713"/>
+            <a:off x="133350" y="921037"/>
+            <a:ext cx="5215460" cy="4236889"/>
           </a:xfrm>
           <a:prstGeom prst="rect">
             <a:avLst/>
@@ -31707,8 +32333,8 @@
         </p:blipFill>
         <p:spPr>
           <a:xfrm>
-            <a:off x="6658585" y="921038"/>
-            <a:ext cx="5314338" cy="4317712"/>
+            <a:off x="6757463" y="921038"/>
+            <a:ext cx="5215460" cy="4237377"/>
           </a:xfrm>
           <a:prstGeom prst="rect">
             <a:avLst/>
@@ -31719,6 +32345,1516 @@
     <p:extLst>
       <p:ext uri="{BB962C8B-B14F-4D97-AF65-F5344CB8AC3E}">
         <p14:creationId xmlns:p14="http://schemas.microsoft.com/office/powerpoint/2010/main" val="3093176393"/>
+      </p:ext>
+    </p:extLst>
+  </p:cSld>
+  <p:clrMapOvr>
+    <a:masterClrMapping/>
+  </p:clrMapOvr>
+</p:sld>
+</file>
+
+<file path=ppt/slides/slide15.xml><?xml version="1.0" encoding="utf-8"?>
+<p:sld xmlns:a="http://schemas.openxmlformats.org/drawingml/2006/main" xmlns:r="http://schemas.openxmlformats.org/officeDocument/2006/relationships" xmlns:p="http://schemas.openxmlformats.org/presentationml/2006/main">
+  <p:cSld>
+    <p:bg>
+      <p:bgPr>
+        <a:blipFill dpi="0" rotWithShape="1">
+          <a:blip r:embed="rId2">
+            <a:lum/>
+          </a:blip>
+          <a:srcRect/>
+          <a:stretch>
+            <a:fillRect/>
+          </a:stretch>
+        </a:blipFill>
+        <a:effectLst/>
+      </p:bgPr>
+    </p:bg>
+    <p:spTree>
+      <p:nvGrpSpPr>
+        <p:cNvPr id="1" name=""/>
+        <p:cNvGrpSpPr/>
+        <p:nvPr/>
+      </p:nvGrpSpPr>
+      <p:grpSpPr>
+        <a:xfrm>
+          <a:off x="0" y="0"/>
+          <a:ext cx="0" cy="0"/>
+          <a:chOff x="0" y="0"/>
+          <a:chExt cx="0" cy="0"/>
+        </a:xfrm>
+      </p:grpSpPr>
+      <p:sp>
+        <p:nvSpPr>
+          <p:cNvPr id="2" name="Title 1">
+            <a:extLst>
+              <a:ext uri="{FF2B5EF4-FFF2-40B4-BE49-F238E27FC236}">
+                <a16:creationId xmlns:a16="http://schemas.microsoft.com/office/drawing/2014/main" id="{3C695A30-3D1C-47B9-AE6E-B4D1A88AA42D}"/>
+              </a:ext>
+            </a:extLst>
+          </p:cNvPr>
+          <p:cNvSpPr>
+            <a:spLocks noGrp="1"/>
+          </p:cNvSpPr>
+          <p:nvPr>
+            <p:ph type="title"/>
+          </p:nvPr>
+        </p:nvSpPr>
+        <p:spPr>
+          <a:xfrm>
+            <a:off x="2157412" y="0"/>
+            <a:ext cx="7877175" cy="638175"/>
+          </a:xfrm>
+          <a:gradFill flip="none" rotWithShape="1">
+            <a:gsLst>
+              <a:gs pos="0">
+                <a:schemeClr val="accent3">
+                  <a:lumMod val="5000"/>
+                  <a:lumOff val="95000"/>
+                </a:schemeClr>
+              </a:gs>
+              <a:gs pos="98000">
+                <a:srgbClr val="FFC5C5"/>
+              </a:gs>
+              <a:gs pos="100000">
+                <a:schemeClr val="accent3">
+                  <a:lumMod val="45000"/>
+                  <a:lumOff val="55000"/>
+                </a:schemeClr>
+              </a:gs>
+              <a:gs pos="100000">
+                <a:schemeClr val="accent3">
+                  <a:lumMod val="30000"/>
+                  <a:lumOff val="70000"/>
+                </a:schemeClr>
+              </a:gs>
+            </a:gsLst>
+            <a:path path="shape">
+              <a:fillToRect l="50000" t="50000" r="50000" b="50000"/>
+            </a:path>
+            <a:tileRect/>
+          </a:gradFill>
+          <a:ln w="50800">
+            <a:solidFill>
+              <a:srgbClr val="C00000"/>
+            </a:solidFill>
+          </a:ln>
+        </p:spPr>
+        <p:txBody>
+          <a:bodyPr>
+            <a:normAutofit fontScale="90000"/>
+          </a:bodyPr>
+          <a:lstStyle/>
+          <a:p>
+            <a:r>
+              <a:rPr lang="en-US" dirty="0">
+                <a:solidFill>
+                  <a:srgbClr val="C00000"/>
+                </a:solidFill>
+              </a:rPr>
+              <a:t>Data analysis process – life expectancy (continued)</a:t>
+            </a:r>
+          </a:p>
+        </p:txBody>
+      </p:sp>
+      <p:sp>
+        <p:nvSpPr>
+          <p:cNvPr id="4" name="Title 1">
+            <a:extLst>
+              <a:ext uri="{FF2B5EF4-FFF2-40B4-BE49-F238E27FC236}">
+                <a16:creationId xmlns:a16="http://schemas.microsoft.com/office/drawing/2014/main" id="{A17725EA-A294-4972-8B8D-C96D1236638E}"/>
+              </a:ext>
+            </a:extLst>
+          </p:cNvPr>
+          <p:cNvSpPr txBox="1">
+            <a:spLocks/>
+          </p:cNvSpPr>
+          <p:nvPr/>
+        </p:nvSpPr>
+        <p:spPr bwMode="black">
+          <a:xfrm>
+            <a:off x="219074" y="5238751"/>
+            <a:ext cx="11753849" cy="1619250"/>
+          </a:xfrm>
+          <a:prstGeom prst="rect">
+            <a:avLst/>
+          </a:prstGeom>
+          <a:gradFill flip="none" rotWithShape="1">
+            <a:gsLst>
+              <a:gs pos="0">
+                <a:schemeClr val="accent3">
+                  <a:lumMod val="5000"/>
+                  <a:lumOff val="95000"/>
+                </a:schemeClr>
+              </a:gs>
+              <a:gs pos="98000">
+                <a:srgbClr val="FFC5C5"/>
+              </a:gs>
+              <a:gs pos="100000">
+                <a:schemeClr val="accent3">
+                  <a:lumMod val="45000"/>
+                  <a:lumOff val="55000"/>
+                </a:schemeClr>
+              </a:gs>
+              <a:gs pos="100000">
+                <a:schemeClr val="accent3">
+                  <a:lumMod val="30000"/>
+                  <a:lumOff val="70000"/>
+                </a:schemeClr>
+              </a:gs>
+            </a:gsLst>
+            <a:path path="shape">
+              <a:fillToRect l="50000" t="50000" r="50000" b="50000"/>
+            </a:path>
+            <a:tileRect/>
+          </a:gradFill>
+          <a:ln w="50800" cap="sq">
+            <a:solidFill>
+              <a:srgbClr val="C00000"/>
+            </a:solidFill>
+            <a:miter lim="800000"/>
+          </a:ln>
+        </p:spPr>
+        <p:txBody>
+          <a:bodyPr vert="horz" lIns="182880" tIns="182880" rIns="182880" bIns="182880" rtlCol="0" anchor="ctr">
+            <a:noAutofit/>
+          </a:bodyPr>
+          <a:lstStyle>
+            <a:lvl1pPr algn="ctr" defTabSz="914400" rtl="0" eaLnBrk="1" latinLnBrk="0" hangingPunct="1">
+              <a:lnSpc>
+                <a:spcPct val="90000"/>
+              </a:lnSpc>
+              <a:spcBef>
+                <a:spcPct val="0"/>
+              </a:spcBef>
+              <a:buNone/>
+              <a:defRPr sz="2800" kern="1200" cap="all" spc="200" baseline="0">
+                <a:solidFill>
+                  <a:srgbClr val="262626"/>
+                </a:solidFill>
+                <a:latin typeface="+mj-lt"/>
+                <a:ea typeface="+mj-ea"/>
+                <a:cs typeface="+mj-cs"/>
+              </a:defRPr>
+            </a:lvl1pPr>
+          </a:lstStyle>
+          <a:p>
+            <a:pPr marL="228600" lvl="0" indent="-228600" algn="l">
+              <a:lnSpc>
+                <a:spcPct val="100000"/>
+              </a:lnSpc>
+              <a:spcBef>
+                <a:spcPts val="1000"/>
+              </a:spcBef>
+              <a:buClr>
+                <a:srgbClr val="9BAFB5"/>
+              </a:buClr>
+              <a:buFont typeface="Arial" panose="020B0604020202020204" pitchFamily="34" charset="0"/>
+              <a:buChar char="•"/>
+            </a:pPr>
+            <a:r>
+              <a:rPr lang="en-US" sz="1800" cap="none" spc="0" dirty="0">
+                <a:solidFill>
+                  <a:srgbClr val="C00000"/>
+                </a:solidFill>
+                <a:ea typeface="+mn-ea"/>
+                <a:cs typeface="+mn-cs"/>
+              </a:rPr>
+              <a:t>To filter out the effects of the variation among countries, the plot of average Life Expectancy vs average GDP per Capita was made.</a:t>
+            </a:r>
+          </a:p>
+          <a:p>
+            <a:pPr marL="228600" lvl="0" indent="-228600" algn="l">
+              <a:lnSpc>
+                <a:spcPct val="100000"/>
+              </a:lnSpc>
+              <a:spcBef>
+                <a:spcPts val="1000"/>
+              </a:spcBef>
+              <a:buClr>
+                <a:srgbClr val="9BAFB5"/>
+              </a:buClr>
+              <a:buFont typeface="Arial" panose="020B0604020202020204" pitchFamily="34" charset="0"/>
+              <a:buChar char="•"/>
+            </a:pPr>
+            <a:r>
+              <a:rPr lang="en-US" sz="1800" cap="none" spc="0" dirty="0">
+                <a:solidFill>
+                  <a:srgbClr val="C00000"/>
+                </a:solidFill>
+                <a:ea typeface="+mn-ea"/>
+                <a:cs typeface="+mn-cs"/>
+              </a:rPr>
+              <a:t>The mean values of individual year columns were calculated and put in lists.</a:t>
+            </a:r>
+          </a:p>
+          <a:p>
+            <a:pPr marL="228600" lvl="0" indent="-228600" algn="l">
+              <a:lnSpc>
+                <a:spcPct val="100000"/>
+              </a:lnSpc>
+              <a:spcBef>
+                <a:spcPts val="1000"/>
+              </a:spcBef>
+              <a:buClr>
+                <a:srgbClr val="9BAFB5"/>
+              </a:buClr>
+              <a:buFont typeface="Arial" panose="020B0604020202020204" pitchFamily="34" charset="0"/>
+              <a:buChar char="•"/>
+            </a:pPr>
+            <a:r>
+              <a:rPr lang="en-US" sz="1800" cap="none" spc="0" dirty="0">
+                <a:solidFill>
+                  <a:srgbClr val="C00000"/>
+                </a:solidFill>
+                <a:ea typeface="+mn-ea"/>
+                <a:cs typeface="+mn-cs"/>
+              </a:rPr>
+              <a:t>The results show that there is an extremely strong positive relationship between trade parameters and GDP per Capita.</a:t>
+            </a:r>
+          </a:p>
+        </p:txBody>
+      </p:sp>
+      <p:pic>
+        <p:nvPicPr>
+          <p:cNvPr id="5" name="Picture 4">
+            <a:extLst>
+              <a:ext uri="{FF2B5EF4-FFF2-40B4-BE49-F238E27FC236}">
+                <a16:creationId xmlns:a16="http://schemas.microsoft.com/office/drawing/2014/main" id="{132E35BF-6C13-4907-86C4-0B200109C848}"/>
+              </a:ext>
+            </a:extLst>
+          </p:cNvPr>
+          <p:cNvPicPr>
+            <a:picLocks noChangeAspect="1"/>
+          </p:cNvPicPr>
+          <p:nvPr/>
+        </p:nvPicPr>
+        <p:blipFill>
+          <a:blip r:embed="rId3"/>
+          <a:stretch>
+            <a:fillRect/>
+          </a:stretch>
+        </p:blipFill>
+        <p:spPr>
+          <a:xfrm>
+            <a:off x="3151548" y="771340"/>
+            <a:ext cx="5888903" cy="4336874"/>
+          </a:xfrm>
+          <a:prstGeom prst="rect">
+            <a:avLst/>
+          </a:prstGeom>
+        </p:spPr>
+      </p:pic>
+      <p:sp>
+        <p:nvSpPr>
+          <p:cNvPr id="7" name="TextBox 6">
+            <a:extLst>
+              <a:ext uri="{FF2B5EF4-FFF2-40B4-BE49-F238E27FC236}">
+                <a16:creationId xmlns:a16="http://schemas.microsoft.com/office/drawing/2014/main" id="{9E8B6541-416B-4B03-840F-A007CEE8D27D}"/>
+              </a:ext>
+            </a:extLst>
+          </p:cNvPr>
+          <p:cNvSpPr txBox="1"/>
+          <p:nvPr/>
+        </p:nvSpPr>
+        <p:spPr>
+          <a:xfrm>
+            <a:off x="219074" y="1447060"/>
+            <a:ext cx="2444227" cy="923330"/>
+          </a:xfrm>
+          <a:prstGeom prst="rect">
+            <a:avLst/>
+          </a:prstGeom>
+          <a:noFill/>
+          <a:ln>
+            <a:solidFill>
+              <a:schemeClr val="tx1"/>
+            </a:solidFill>
+          </a:ln>
+        </p:spPr>
+        <p:txBody>
+          <a:bodyPr wrap="square" rtlCol="0">
+            <a:spAutoFit/>
+          </a:bodyPr>
+          <a:lstStyle/>
+          <a:p>
+            <a:r>
+              <a:rPr lang="en-US" dirty="0"/>
+              <a:t>It is unclear what is responsible for the dip in the data here.</a:t>
+            </a:r>
+          </a:p>
+        </p:txBody>
+      </p:sp>
+      <p:cxnSp>
+        <p:nvCxnSpPr>
+          <p:cNvPr id="9" name="Straight Arrow Connector 8">
+            <a:extLst>
+              <a:ext uri="{FF2B5EF4-FFF2-40B4-BE49-F238E27FC236}">
+                <a16:creationId xmlns:a16="http://schemas.microsoft.com/office/drawing/2014/main" id="{43EB9B92-EED7-4A0C-9254-93339BAC725A}"/>
+              </a:ext>
+            </a:extLst>
+          </p:cNvPr>
+          <p:cNvCxnSpPr>
+            <a:stCxn id="7" idx="3"/>
+          </p:cNvCxnSpPr>
+          <p:nvPr/>
+        </p:nvCxnSpPr>
+        <p:spPr>
+          <a:xfrm>
+            <a:off x="2663301" y="1908725"/>
+            <a:ext cx="2192784" cy="1260603"/>
+          </a:xfrm>
+          <a:prstGeom prst="straightConnector1">
+            <a:avLst/>
+          </a:prstGeom>
+          <a:ln>
+            <a:solidFill>
+              <a:srgbClr val="050C12"/>
+            </a:solidFill>
+            <a:tailEnd type="triangle"/>
+          </a:ln>
+        </p:spPr>
+        <p:style>
+          <a:lnRef idx="1">
+            <a:schemeClr val="accent1"/>
+          </a:lnRef>
+          <a:fillRef idx="0">
+            <a:schemeClr val="accent1"/>
+          </a:fillRef>
+          <a:effectRef idx="0">
+            <a:schemeClr val="accent1"/>
+          </a:effectRef>
+          <a:fontRef idx="minor">
+            <a:schemeClr val="tx1"/>
+          </a:fontRef>
+        </p:style>
+      </p:cxnSp>
+    </p:spTree>
+    <p:extLst>
+      <p:ext uri="{BB962C8B-B14F-4D97-AF65-F5344CB8AC3E}">
+        <p14:creationId xmlns:p14="http://schemas.microsoft.com/office/powerpoint/2010/main" val="5648366"/>
+      </p:ext>
+    </p:extLst>
+  </p:cSld>
+  <p:clrMapOvr>
+    <a:masterClrMapping/>
+  </p:clrMapOvr>
+</p:sld>
+</file>
+
+<file path=ppt/slides/slide16.xml><?xml version="1.0" encoding="utf-8"?>
+<p:sld xmlns:a="http://schemas.openxmlformats.org/drawingml/2006/main" xmlns:r="http://schemas.openxmlformats.org/officeDocument/2006/relationships" xmlns:p="http://schemas.openxmlformats.org/presentationml/2006/main">
+  <p:cSld>
+    <p:bg>
+      <p:bgPr>
+        <a:blipFill dpi="0" rotWithShape="1">
+          <a:blip r:embed="rId2">
+            <a:lum/>
+          </a:blip>
+          <a:srcRect/>
+          <a:stretch>
+            <a:fillRect t="-2000" b="-2000"/>
+          </a:stretch>
+        </a:blipFill>
+        <a:effectLst/>
+      </p:bgPr>
+    </p:bg>
+    <p:spTree>
+      <p:nvGrpSpPr>
+        <p:cNvPr id="1" name=""/>
+        <p:cNvGrpSpPr/>
+        <p:nvPr/>
+      </p:nvGrpSpPr>
+      <p:grpSpPr>
+        <a:xfrm>
+          <a:off x="0" y="0"/>
+          <a:ext cx="0" cy="0"/>
+          <a:chOff x="0" y="0"/>
+          <a:chExt cx="0" cy="0"/>
+        </a:xfrm>
+      </p:grpSpPr>
+      <p:sp>
+        <p:nvSpPr>
+          <p:cNvPr id="2" name="Title 1">
+            <a:extLst>
+              <a:ext uri="{FF2B5EF4-FFF2-40B4-BE49-F238E27FC236}">
+                <a16:creationId xmlns:a16="http://schemas.microsoft.com/office/drawing/2014/main" id="{3C695A30-3D1C-47B9-AE6E-B4D1A88AA42D}"/>
+              </a:ext>
+            </a:extLst>
+          </p:cNvPr>
+          <p:cNvSpPr>
+            <a:spLocks noGrp="1"/>
+          </p:cNvSpPr>
+          <p:nvPr>
+            <p:ph type="title"/>
+          </p:nvPr>
+        </p:nvSpPr>
+        <p:spPr>
+          <a:xfrm>
+            <a:off x="1414460" y="0"/>
+            <a:ext cx="9363075" cy="638175"/>
+          </a:xfrm>
+          <a:gradFill flip="none" rotWithShape="1">
+            <a:gsLst>
+              <a:gs pos="0">
+                <a:schemeClr val="accent3">
+                  <a:lumMod val="5000"/>
+                  <a:lumOff val="95000"/>
+                </a:schemeClr>
+              </a:gs>
+              <a:gs pos="98000">
+                <a:srgbClr val="99FF99"/>
+              </a:gs>
+              <a:gs pos="100000">
+                <a:srgbClr val="99FF99"/>
+              </a:gs>
+              <a:gs pos="100000">
+                <a:srgbClr val="99FF99"/>
+              </a:gs>
+            </a:gsLst>
+            <a:path path="shape">
+              <a:fillToRect l="50000" t="50000" r="50000" b="50000"/>
+            </a:path>
+            <a:tileRect/>
+          </a:gradFill>
+          <a:ln w="50800">
+            <a:solidFill>
+              <a:srgbClr val="00B050"/>
+            </a:solidFill>
+          </a:ln>
+        </p:spPr>
+        <p:txBody>
+          <a:bodyPr>
+            <a:normAutofit fontScale="90000"/>
+          </a:bodyPr>
+          <a:lstStyle/>
+          <a:p>
+            <a:r>
+              <a:rPr lang="en-US" dirty="0">
+                <a:solidFill>
+                  <a:srgbClr val="00B050"/>
+                </a:solidFill>
+              </a:rPr>
+              <a:t>Data analysis process – infant mortality rate</a:t>
+            </a:r>
+          </a:p>
+        </p:txBody>
+      </p:sp>
+      <p:sp>
+        <p:nvSpPr>
+          <p:cNvPr id="4" name="Title 1">
+            <a:extLst>
+              <a:ext uri="{FF2B5EF4-FFF2-40B4-BE49-F238E27FC236}">
+                <a16:creationId xmlns:a16="http://schemas.microsoft.com/office/drawing/2014/main" id="{A17725EA-A294-4972-8B8D-C96D1236638E}"/>
+              </a:ext>
+            </a:extLst>
+          </p:cNvPr>
+          <p:cNvSpPr txBox="1">
+            <a:spLocks/>
+          </p:cNvSpPr>
+          <p:nvPr/>
+        </p:nvSpPr>
+        <p:spPr bwMode="black">
+          <a:xfrm>
+            <a:off x="219074" y="905050"/>
+            <a:ext cx="11753849" cy="1123775"/>
+          </a:xfrm>
+          <a:prstGeom prst="rect">
+            <a:avLst/>
+          </a:prstGeom>
+          <a:gradFill flip="none" rotWithShape="1">
+            <a:gsLst>
+              <a:gs pos="0">
+                <a:schemeClr val="accent3">
+                  <a:lumMod val="5000"/>
+                  <a:lumOff val="95000"/>
+                </a:schemeClr>
+              </a:gs>
+              <a:gs pos="98000">
+                <a:srgbClr val="99FF99"/>
+              </a:gs>
+              <a:gs pos="97000">
+                <a:srgbClr val="99FF99"/>
+              </a:gs>
+              <a:gs pos="98000">
+                <a:srgbClr val="99FF99"/>
+              </a:gs>
+            </a:gsLst>
+            <a:path path="shape">
+              <a:fillToRect l="50000" t="50000" r="50000" b="50000"/>
+            </a:path>
+            <a:tileRect/>
+          </a:gradFill>
+          <a:ln w="50800" cap="sq">
+            <a:solidFill>
+              <a:srgbClr val="00B050"/>
+            </a:solidFill>
+            <a:miter lim="800000"/>
+          </a:ln>
+        </p:spPr>
+        <p:txBody>
+          <a:bodyPr vert="horz" lIns="182880" tIns="182880" rIns="182880" bIns="182880" rtlCol="0" anchor="ctr">
+            <a:noAutofit/>
+          </a:bodyPr>
+          <a:lstStyle>
+            <a:lvl1pPr algn="ctr" defTabSz="914400" rtl="0" eaLnBrk="1" latinLnBrk="0" hangingPunct="1">
+              <a:lnSpc>
+                <a:spcPct val="90000"/>
+              </a:lnSpc>
+              <a:spcBef>
+                <a:spcPct val="0"/>
+              </a:spcBef>
+              <a:buNone/>
+              <a:defRPr sz="2800" kern="1200" cap="all" spc="200" baseline="0">
+                <a:solidFill>
+                  <a:srgbClr val="262626"/>
+                </a:solidFill>
+                <a:latin typeface="+mj-lt"/>
+                <a:ea typeface="+mj-ea"/>
+                <a:cs typeface="+mj-cs"/>
+              </a:defRPr>
+            </a:lvl1pPr>
+          </a:lstStyle>
+          <a:p>
+            <a:pPr marL="228600" lvl="0" indent="-228600" algn="l">
+              <a:lnSpc>
+                <a:spcPct val="100000"/>
+              </a:lnSpc>
+              <a:spcBef>
+                <a:spcPts val="1000"/>
+              </a:spcBef>
+              <a:buClr>
+                <a:srgbClr val="9BAFB5"/>
+              </a:buClr>
+              <a:buFont typeface="Arial" panose="020B0604020202020204" pitchFamily="34" charset="0"/>
+              <a:buChar char="•"/>
+            </a:pPr>
+            <a:r>
+              <a:rPr lang="en-US" sz="1800" cap="none" spc="0" dirty="0">
+                <a:solidFill>
+                  <a:srgbClr val="00B050"/>
+                </a:solidFill>
+                <a:ea typeface="+mn-ea"/>
+                <a:cs typeface="+mn-cs"/>
+              </a:rPr>
+              <a:t>We started by looking at scatter plots showing the relationship between infant mortality rate and GDP per Capita for years 1990 &amp; 2017.</a:t>
+            </a:r>
+          </a:p>
+          <a:p>
+            <a:pPr marL="228600" lvl="0" indent="-228600" algn="l">
+              <a:lnSpc>
+                <a:spcPct val="100000"/>
+              </a:lnSpc>
+              <a:spcBef>
+                <a:spcPts val="1000"/>
+              </a:spcBef>
+              <a:buClr>
+                <a:srgbClr val="9BAFB5"/>
+              </a:buClr>
+              <a:buFont typeface="Arial" panose="020B0604020202020204" pitchFamily="34" charset="0"/>
+              <a:buChar char="•"/>
+            </a:pPr>
+            <a:r>
+              <a:rPr lang="en-US" sz="1800" cap="none" spc="0" dirty="0">
+                <a:solidFill>
+                  <a:srgbClr val="00B050"/>
+                </a:solidFill>
+                <a:ea typeface="+mn-ea"/>
+                <a:cs typeface="+mn-cs"/>
+              </a:rPr>
+              <a:t>The </a:t>
+            </a:r>
+            <a:r>
+              <a:rPr lang="en-US" sz="1800" cap="none" spc="0" dirty="0" err="1">
+                <a:solidFill>
+                  <a:srgbClr val="00B050"/>
+                </a:solidFill>
+                <a:ea typeface="+mn-ea"/>
+                <a:cs typeface="+mn-cs"/>
+              </a:rPr>
+              <a:t>NumPy.IsNaN</a:t>
+            </a:r>
+            <a:r>
+              <a:rPr lang="en-US" sz="1800" cap="none" spc="0" dirty="0">
+                <a:solidFill>
+                  <a:srgbClr val="00B050"/>
+                </a:solidFill>
+                <a:ea typeface="+mn-ea"/>
+                <a:cs typeface="+mn-cs"/>
+              </a:rPr>
+              <a:t> function was again used to create a mask to filter out the </a:t>
+            </a:r>
+            <a:r>
+              <a:rPr lang="en-US" sz="1800" cap="none" spc="0" dirty="0" err="1">
+                <a:solidFill>
+                  <a:srgbClr val="00B050"/>
+                </a:solidFill>
+                <a:ea typeface="+mn-ea"/>
+                <a:cs typeface="+mn-cs"/>
+              </a:rPr>
+              <a:t>NaN</a:t>
+            </a:r>
+            <a:r>
+              <a:rPr lang="en-US" sz="1800" cap="none" spc="0" dirty="0">
+                <a:solidFill>
+                  <a:srgbClr val="00B050"/>
+                </a:solidFill>
+                <a:ea typeface="+mn-ea"/>
+                <a:cs typeface="+mn-cs"/>
+              </a:rPr>
+              <a:t> values to enable regression.</a:t>
+            </a:r>
+          </a:p>
+        </p:txBody>
+      </p:sp>
+      <p:pic>
+        <p:nvPicPr>
+          <p:cNvPr id="3" name="Picture 2">
+            <a:extLst>
+              <a:ext uri="{FF2B5EF4-FFF2-40B4-BE49-F238E27FC236}">
+                <a16:creationId xmlns:a16="http://schemas.microsoft.com/office/drawing/2014/main" id="{6086DE5C-3656-4FFA-8289-F00C431D3EDC}"/>
+              </a:ext>
+            </a:extLst>
+          </p:cNvPr>
+          <p:cNvPicPr>
+            <a:picLocks noChangeAspect="1"/>
+          </p:cNvPicPr>
+          <p:nvPr/>
+        </p:nvPicPr>
+        <p:blipFill>
+          <a:blip r:embed="rId3"/>
+          <a:stretch>
+            <a:fillRect/>
+          </a:stretch>
+        </p:blipFill>
+        <p:spPr>
+          <a:xfrm>
+            <a:off x="1750216" y="2295700"/>
+            <a:ext cx="8691562" cy="4327868"/>
+          </a:xfrm>
+          <a:prstGeom prst="rect">
+            <a:avLst/>
+          </a:prstGeom>
+        </p:spPr>
+      </p:pic>
+    </p:spTree>
+    <p:extLst>
+      <p:ext uri="{BB962C8B-B14F-4D97-AF65-F5344CB8AC3E}">
+        <p14:creationId xmlns:p14="http://schemas.microsoft.com/office/powerpoint/2010/main" val="2650127079"/>
+      </p:ext>
+    </p:extLst>
+  </p:cSld>
+  <p:clrMapOvr>
+    <a:masterClrMapping/>
+  </p:clrMapOvr>
+</p:sld>
+</file>
+
+<file path=ppt/slides/slide17.xml><?xml version="1.0" encoding="utf-8"?>
+<p:sld xmlns:a="http://schemas.openxmlformats.org/drawingml/2006/main" xmlns:r="http://schemas.openxmlformats.org/officeDocument/2006/relationships" xmlns:p="http://schemas.openxmlformats.org/presentationml/2006/main">
+  <p:cSld>
+    <p:bg>
+      <p:bgPr>
+        <a:blipFill dpi="0" rotWithShape="1">
+          <a:blip r:embed="rId2">
+            <a:lum/>
+          </a:blip>
+          <a:srcRect/>
+          <a:stretch>
+            <a:fillRect t="-2000" b="-2000"/>
+          </a:stretch>
+        </a:blipFill>
+        <a:effectLst/>
+      </p:bgPr>
+    </p:bg>
+    <p:spTree>
+      <p:nvGrpSpPr>
+        <p:cNvPr id="1" name=""/>
+        <p:cNvGrpSpPr/>
+        <p:nvPr/>
+      </p:nvGrpSpPr>
+      <p:grpSpPr>
+        <a:xfrm>
+          <a:off x="0" y="0"/>
+          <a:ext cx="0" cy="0"/>
+          <a:chOff x="0" y="0"/>
+          <a:chExt cx="0" cy="0"/>
+        </a:xfrm>
+      </p:grpSpPr>
+      <p:sp>
+        <p:nvSpPr>
+          <p:cNvPr id="2" name="Title 1">
+            <a:extLst>
+              <a:ext uri="{FF2B5EF4-FFF2-40B4-BE49-F238E27FC236}">
+                <a16:creationId xmlns:a16="http://schemas.microsoft.com/office/drawing/2014/main" id="{3C695A30-3D1C-47B9-AE6E-B4D1A88AA42D}"/>
+              </a:ext>
+            </a:extLst>
+          </p:cNvPr>
+          <p:cNvSpPr>
+            <a:spLocks noGrp="1"/>
+          </p:cNvSpPr>
+          <p:nvPr>
+            <p:ph type="title"/>
+          </p:nvPr>
+        </p:nvSpPr>
+        <p:spPr>
+          <a:xfrm>
+            <a:off x="1414460" y="0"/>
+            <a:ext cx="9363075" cy="638175"/>
+          </a:xfrm>
+          <a:gradFill flip="none" rotWithShape="1">
+            <a:gsLst>
+              <a:gs pos="0">
+                <a:schemeClr val="accent3">
+                  <a:lumMod val="5000"/>
+                  <a:lumOff val="95000"/>
+                </a:schemeClr>
+              </a:gs>
+              <a:gs pos="98000">
+                <a:srgbClr val="99FF99"/>
+              </a:gs>
+              <a:gs pos="100000">
+                <a:srgbClr val="99FF99"/>
+              </a:gs>
+              <a:gs pos="100000">
+                <a:srgbClr val="99FF99"/>
+              </a:gs>
+            </a:gsLst>
+            <a:path path="shape">
+              <a:fillToRect l="50000" t="50000" r="50000" b="50000"/>
+            </a:path>
+            <a:tileRect/>
+          </a:gradFill>
+          <a:ln w="50800">
+            <a:solidFill>
+              <a:srgbClr val="00B050"/>
+            </a:solidFill>
+          </a:ln>
+        </p:spPr>
+        <p:txBody>
+          <a:bodyPr>
+            <a:normAutofit fontScale="90000"/>
+          </a:bodyPr>
+          <a:lstStyle/>
+          <a:p>
+            <a:r>
+              <a:rPr lang="en-US" dirty="0">
+                <a:solidFill>
+                  <a:srgbClr val="00B050"/>
+                </a:solidFill>
+              </a:rPr>
+              <a:t>Data analysis process – infant mortality rate (continued)</a:t>
+            </a:r>
+          </a:p>
+        </p:txBody>
+      </p:sp>
+      <p:sp>
+        <p:nvSpPr>
+          <p:cNvPr id="4" name="Title 1">
+            <a:extLst>
+              <a:ext uri="{FF2B5EF4-FFF2-40B4-BE49-F238E27FC236}">
+                <a16:creationId xmlns:a16="http://schemas.microsoft.com/office/drawing/2014/main" id="{A17725EA-A294-4972-8B8D-C96D1236638E}"/>
+              </a:ext>
+            </a:extLst>
+          </p:cNvPr>
+          <p:cNvSpPr txBox="1">
+            <a:spLocks/>
+          </p:cNvSpPr>
+          <p:nvPr/>
+        </p:nvSpPr>
+        <p:spPr bwMode="black">
+          <a:xfrm>
+            <a:off x="219072" y="5610400"/>
+            <a:ext cx="11753849" cy="1123775"/>
+          </a:xfrm>
+          <a:prstGeom prst="rect">
+            <a:avLst/>
+          </a:prstGeom>
+          <a:gradFill flip="none" rotWithShape="1">
+            <a:gsLst>
+              <a:gs pos="0">
+                <a:schemeClr val="accent3">
+                  <a:lumMod val="5000"/>
+                  <a:lumOff val="95000"/>
+                </a:schemeClr>
+              </a:gs>
+              <a:gs pos="98000">
+                <a:srgbClr val="99FF99"/>
+              </a:gs>
+              <a:gs pos="97000">
+                <a:srgbClr val="99FF99"/>
+              </a:gs>
+              <a:gs pos="98000">
+                <a:srgbClr val="99FF99"/>
+              </a:gs>
+            </a:gsLst>
+            <a:path path="shape">
+              <a:fillToRect l="50000" t="50000" r="50000" b="50000"/>
+            </a:path>
+            <a:tileRect/>
+          </a:gradFill>
+          <a:ln w="50800" cap="sq">
+            <a:solidFill>
+              <a:srgbClr val="00B050"/>
+            </a:solidFill>
+            <a:miter lim="800000"/>
+          </a:ln>
+        </p:spPr>
+        <p:txBody>
+          <a:bodyPr vert="horz" lIns="182880" tIns="182880" rIns="182880" bIns="182880" rtlCol="0" anchor="ctr">
+            <a:noAutofit/>
+          </a:bodyPr>
+          <a:lstStyle>
+            <a:lvl1pPr algn="ctr" defTabSz="914400" rtl="0" eaLnBrk="1" latinLnBrk="0" hangingPunct="1">
+              <a:lnSpc>
+                <a:spcPct val="90000"/>
+              </a:lnSpc>
+              <a:spcBef>
+                <a:spcPct val="0"/>
+              </a:spcBef>
+              <a:buNone/>
+              <a:defRPr sz="2800" kern="1200" cap="all" spc="200" baseline="0">
+                <a:solidFill>
+                  <a:srgbClr val="262626"/>
+                </a:solidFill>
+                <a:latin typeface="+mj-lt"/>
+                <a:ea typeface="+mj-ea"/>
+                <a:cs typeface="+mj-cs"/>
+              </a:defRPr>
+            </a:lvl1pPr>
+          </a:lstStyle>
+          <a:p>
+            <a:pPr marL="228600" lvl="0" indent="-228600" algn="l">
+              <a:lnSpc>
+                <a:spcPct val="100000"/>
+              </a:lnSpc>
+              <a:spcBef>
+                <a:spcPts val="1000"/>
+              </a:spcBef>
+              <a:buClr>
+                <a:srgbClr val="9BAFB5"/>
+              </a:buClr>
+              <a:buFont typeface="Arial" panose="020B0604020202020204" pitchFamily="34" charset="0"/>
+              <a:buChar char="•"/>
+            </a:pPr>
+            <a:r>
+              <a:rPr lang="en-US" sz="1800" cap="none" spc="0" dirty="0">
+                <a:solidFill>
+                  <a:srgbClr val="00B050"/>
+                </a:solidFill>
+                <a:ea typeface="+mn-ea"/>
+                <a:cs typeface="+mn-cs"/>
+              </a:rPr>
+              <a:t>The data showed that there wasn’t a linear relationship between Infant Mortality Rate and GDP per Capita.</a:t>
+            </a:r>
+          </a:p>
+          <a:p>
+            <a:pPr marL="228600" lvl="0" indent="-228600" algn="l">
+              <a:lnSpc>
+                <a:spcPct val="100000"/>
+              </a:lnSpc>
+              <a:spcBef>
+                <a:spcPts val="1000"/>
+              </a:spcBef>
+              <a:buClr>
+                <a:srgbClr val="9BAFB5"/>
+              </a:buClr>
+              <a:buFont typeface="Arial" panose="020B0604020202020204" pitchFamily="34" charset="0"/>
+              <a:buChar char="•"/>
+            </a:pPr>
+            <a:r>
+              <a:rPr lang="en-US" sz="1800" cap="none" spc="0" dirty="0">
+                <a:solidFill>
+                  <a:srgbClr val="00B050"/>
+                </a:solidFill>
+                <a:ea typeface="+mn-ea"/>
+                <a:cs typeface="+mn-cs"/>
+              </a:rPr>
+              <a:t>It has been shown that there is a strong logarithmic relationship between Infant Mortality Rate and GDP per Capita.</a:t>
+            </a:r>
+          </a:p>
+          <a:p>
+            <a:pPr marL="228600" lvl="0" indent="-228600" algn="l">
+              <a:lnSpc>
+                <a:spcPct val="100000"/>
+              </a:lnSpc>
+              <a:spcBef>
+                <a:spcPts val="1000"/>
+              </a:spcBef>
+              <a:buClr>
+                <a:srgbClr val="9BAFB5"/>
+              </a:buClr>
+              <a:buFont typeface="Arial" panose="020B0604020202020204" pitchFamily="34" charset="0"/>
+              <a:buChar char="•"/>
+            </a:pPr>
+            <a:r>
+              <a:rPr lang="en-US" sz="1800" cap="none" spc="0" dirty="0">
+                <a:solidFill>
+                  <a:srgbClr val="00B050"/>
+                </a:solidFill>
+                <a:ea typeface="+mn-ea"/>
+                <a:cs typeface="+mn-cs"/>
+              </a:rPr>
+              <a:t>This means that Infant Mortality falls with GDP, but the rate of improvement slows as an economy advances.</a:t>
+            </a:r>
+          </a:p>
+        </p:txBody>
+      </p:sp>
+      <p:pic>
+        <p:nvPicPr>
+          <p:cNvPr id="5" name="Picture 4">
+            <a:extLst>
+              <a:ext uri="{FF2B5EF4-FFF2-40B4-BE49-F238E27FC236}">
+                <a16:creationId xmlns:a16="http://schemas.microsoft.com/office/drawing/2014/main" id="{72A2E616-082D-4358-B8A9-6C44EEA34F37}"/>
+              </a:ext>
+            </a:extLst>
+          </p:cNvPr>
+          <p:cNvPicPr>
+            <a:picLocks noChangeAspect="1"/>
+          </p:cNvPicPr>
+          <p:nvPr/>
+        </p:nvPicPr>
+        <p:blipFill>
+          <a:blip r:embed="rId3"/>
+          <a:stretch>
+            <a:fillRect/>
+          </a:stretch>
+        </p:blipFill>
+        <p:spPr>
+          <a:xfrm>
+            <a:off x="0" y="857250"/>
+            <a:ext cx="5819284" cy="4533900"/>
+          </a:xfrm>
+          <a:prstGeom prst="rect">
+            <a:avLst/>
+          </a:prstGeom>
+        </p:spPr>
+      </p:pic>
+      <p:pic>
+        <p:nvPicPr>
+          <p:cNvPr id="6" name="Picture 5">
+            <a:extLst>
+              <a:ext uri="{FF2B5EF4-FFF2-40B4-BE49-F238E27FC236}">
+                <a16:creationId xmlns:a16="http://schemas.microsoft.com/office/drawing/2014/main" id="{2955C783-1971-4C08-BD68-50326556A122}"/>
+              </a:ext>
+            </a:extLst>
+          </p:cNvPr>
+          <p:cNvPicPr>
+            <a:picLocks noChangeAspect="1"/>
+          </p:cNvPicPr>
+          <p:nvPr/>
+        </p:nvPicPr>
+        <p:blipFill>
+          <a:blip r:embed="rId4"/>
+          <a:stretch>
+            <a:fillRect/>
+          </a:stretch>
+        </p:blipFill>
+        <p:spPr>
+          <a:xfrm>
+            <a:off x="6550582" y="857250"/>
+            <a:ext cx="5641418" cy="4533900"/>
+          </a:xfrm>
+          <a:prstGeom prst="rect">
+            <a:avLst/>
+          </a:prstGeom>
+        </p:spPr>
+      </p:pic>
+    </p:spTree>
+    <p:extLst>
+      <p:ext uri="{BB962C8B-B14F-4D97-AF65-F5344CB8AC3E}">
+        <p14:creationId xmlns:p14="http://schemas.microsoft.com/office/powerpoint/2010/main" val="1831075906"/>
+      </p:ext>
+    </p:extLst>
+  </p:cSld>
+  <p:clrMapOvr>
+    <a:masterClrMapping/>
+  </p:clrMapOvr>
+</p:sld>
+</file>
+
+<file path=ppt/slides/slide18.xml><?xml version="1.0" encoding="utf-8"?>
+<p:sld xmlns:a="http://schemas.openxmlformats.org/drawingml/2006/main" xmlns:r="http://schemas.openxmlformats.org/officeDocument/2006/relationships" xmlns:p="http://schemas.openxmlformats.org/presentationml/2006/main">
+  <p:cSld>
+    <p:bg>
+      <p:bgPr>
+        <a:blipFill dpi="0" rotWithShape="1">
+          <a:blip r:embed="rId2">
+            <a:lum/>
+          </a:blip>
+          <a:srcRect/>
+          <a:stretch>
+            <a:fillRect t="-2000" b="-2000"/>
+          </a:stretch>
+        </a:blipFill>
+        <a:effectLst/>
+      </p:bgPr>
+    </p:bg>
+    <p:spTree>
+      <p:nvGrpSpPr>
+        <p:cNvPr id="1" name=""/>
+        <p:cNvGrpSpPr/>
+        <p:nvPr/>
+      </p:nvGrpSpPr>
+      <p:grpSpPr>
+        <a:xfrm>
+          <a:off x="0" y="0"/>
+          <a:ext cx="0" cy="0"/>
+          <a:chOff x="0" y="0"/>
+          <a:chExt cx="0" cy="0"/>
+        </a:xfrm>
+      </p:grpSpPr>
+      <p:sp>
+        <p:nvSpPr>
+          <p:cNvPr id="2" name="Title 1">
+            <a:extLst>
+              <a:ext uri="{FF2B5EF4-FFF2-40B4-BE49-F238E27FC236}">
+                <a16:creationId xmlns:a16="http://schemas.microsoft.com/office/drawing/2014/main" id="{3C695A30-3D1C-47B9-AE6E-B4D1A88AA42D}"/>
+              </a:ext>
+            </a:extLst>
+          </p:cNvPr>
+          <p:cNvSpPr>
+            <a:spLocks noGrp="1"/>
+          </p:cNvSpPr>
+          <p:nvPr>
+            <p:ph type="title"/>
+          </p:nvPr>
+        </p:nvSpPr>
+        <p:spPr>
+          <a:xfrm>
+            <a:off x="1414460" y="0"/>
+            <a:ext cx="9363075" cy="638175"/>
+          </a:xfrm>
+          <a:gradFill flip="none" rotWithShape="1">
+            <a:gsLst>
+              <a:gs pos="0">
+                <a:schemeClr val="accent3">
+                  <a:lumMod val="5000"/>
+                  <a:lumOff val="95000"/>
+                </a:schemeClr>
+              </a:gs>
+              <a:gs pos="98000">
+                <a:srgbClr val="99FF99"/>
+              </a:gs>
+              <a:gs pos="100000">
+                <a:srgbClr val="99FF99"/>
+              </a:gs>
+              <a:gs pos="100000">
+                <a:srgbClr val="99FF99"/>
+              </a:gs>
+            </a:gsLst>
+            <a:path path="shape">
+              <a:fillToRect l="50000" t="50000" r="50000" b="50000"/>
+            </a:path>
+            <a:tileRect/>
+          </a:gradFill>
+          <a:ln w="50800">
+            <a:solidFill>
+              <a:srgbClr val="00B050"/>
+            </a:solidFill>
+          </a:ln>
+        </p:spPr>
+        <p:txBody>
+          <a:bodyPr>
+            <a:normAutofit fontScale="90000"/>
+          </a:bodyPr>
+          <a:lstStyle/>
+          <a:p>
+            <a:r>
+              <a:rPr lang="en-US" dirty="0">
+                <a:solidFill>
+                  <a:srgbClr val="00B050"/>
+                </a:solidFill>
+              </a:rPr>
+              <a:t>Data analysis process – infant mortality rate (continued)</a:t>
+            </a:r>
+          </a:p>
+        </p:txBody>
+      </p:sp>
+      <p:sp>
+        <p:nvSpPr>
+          <p:cNvPr id="4" name="Title 1">
+            <a:extLst>
+              <a:ext uri="{FF2B5EF4-FFF2-40B4-BE49-F238E27FC236}">
+                <a16:creationId xmlns:a16="http://schemas.microsoft.com/office/drawing/2014/main" id="{A17725EA-A294-4972-8B8D-C96D1236638E}"/>
+              </a:ext>
+            </a:extLst>
+          </p:cNvPr>
+          <p:cNvSpPr txBox="1">
+            <a:spLocks/>
+          </p:cNvSpPr>
+          <p:nvPr/>
+        </p:nvSpPr>
+        <p:spPr bwMode="black">
+          <a:xfrm>
+            <a:off x="219072" y="5466778"/>
+            <a:ext cx="11753849" cy="1391222"/>
+          </a:xfrm>
+          <a:prstGeom prst="rect">
+            <a:avLst/>
+          </a:prstGeom>
+          <a:gradFill flip="none" rotWithShape="1">
+            <a:gsLst>
+              <a:gs pos="0">
+                <a:schemeClr val="accent3">
+                  <a:lumMod val="5000"/>
+                  <a:lumOff val="95000"/>
+                </a:schemeClr>
+              </a:gs>
+              <a:gs pos="98000">
+                <a:srgbClr val="99FF99"/>
+              </a:gs>
+              <a:gs pos="97000">
+                <a:srgbClr val="99FF99"/>
+              </a:gs>
+              <a:gs pos="98000">
+                <a:srgbClr val="99FF99"/>
+              </a:gs>
+            </a:gsLst>
+            <a:path path="shape">
+              <a:fillToRect l="50000" t="50000" r="50000" b="50000"/>
+            </a:path>
+            <a:tileRect/>
+          </a:gradFill>
+          <a:ln w="50800" cap="sq">
+            <a:solidFill>
+              <a:srgbClr val="00B050"/>
+            </a:solidFill>
+            <a:miter lim="800000"/>
+          </a:ln>
+        </p:spPr>
+        <p:txBody>
+          <a:bodyPr vert="horz" lIns="182880" tIns="182880" rIns="182880" bIns="182880" rtlCol="0" anchor="ctr">
+            <a:noAutofit/>
+          </a:bodyPr>
+          <a:lstStyle>
+            <a:lvl1pPr algn="ctr" defTabSz="914400" rtl="0" eaLnBrk="1" latinLnBrk="0" hangingPunct="1">
+              <a:lnSpc>
+                <a:spcPct val="90000"/>
+              </a:lnSpc>
+              <a:spcBef>
+                <a:spcPct val="0"/>
+              </a:spcBef>
+              <a:buNone/>
+              <a:defRPr sz="2800" kern="1200" cap="all" spc="200" baseline="0">
+                <a:solidFill>
+                  <a:srgbClr val="262626"/>
+                </a:solidFill>
+                <a:latin typeface="+mj-lt"/>
+                <a:ea typeface="+mj-ea"/>
+                <a:cs typeface="+mj-cs"/>
+              </a:defRPr>
+            </a:lvl1pPr>
+          </a:lstStyle>
+          <a:p>
+            <a:pPr marL="228600" lvl="0" indent="-228600" algn="l">
+              <a:lnSpc>
+                <a:spcPct val="100000"/>
+              </a:lnSpc>
+              <a:spcBef>
+                <a:spcPts val="1000"/>
+              </a:spcBef>
+              <a:buClr>
+                <a:srgbClr val="9BAFB5"/>
+              </a:buClr>
+              <a:buFont typeface="Arial" panose="020B0604020202020204" pitchFamily="34" charset="0"/>
+              <a:buChar char="•"/>
+            </a:pPr>
+            <a:r>
+              <a:rPr lang="en-US" sz="1800" cap="none" spc="0" dirty="0">
+                <a:solidFill>
+                  <a:srgbClr val="00B050"/>
+                </a:solidFill>
+                <a:ea typeface="+mn-ea"/>
+                <a:cs typeface="+mn-cs"/>
+              </a:rPr>
+              <a:t>To filter out the effects of the variation among countries, the plot of average Infant Mortality Rate vs average GDP per Capita was made.</a:t>
+            </a:r>
+          </a:p>
+          <a:p>
+            <a:pPr marL="228600" lvl="0" indent="-228600" algn="l">
+              <a:lnSpc>
+                <a:spcPct val="100000"/>
+              </a:lnSpc>
+              <a:spcBef>
+                <a:spcPts val="1000"/>
+              </a:spcBef>
+              <a:buClr>
+                <a:srgbClr val="9BAFB5"/>
+              </a:buClr>
+              <a:buFont typeface="Arial" panose="020B0604020202020204" pitchFamily="34" charset="0"/>
+              <a:buChar char="•"/>
+            </a:pPr>
+            <a:r>
+              <a:rPr lang="en-US" sz="1800" cap="none" spc="0" dirty="0">
+                <a:solidFill>
+                  <a:srgbClr val="00B050"/>
+                </a:solidFill>
+                <a:ea typeface="+mn-ea"/>
+                <a:cs typeface="+mn-cs"/>
+              </a:rPr>
+              <a:t>The mean values of individual year columns were calculated and put in lists.</a:t>
+            </a:r>
+          </a:p>
+          <a:p>
+            <a:pPr marL="228600" lvl="0" indent="-228600" algn="l">
+              <a:lnSpc>
+                <a:spcPct val="100000"/>
+              </a:lnSpc>
+              <a:spcBef>
+                <a:spcPts val="1000"/>
+              </a:spcBef>
+              <a:buClr>
+                <a:srgbClr val="9BAFB5"/>
+              </a:buClr>
+              <a:buFont typeface="Arial" panose="020B0604020202020204" pitchFamily="34" charset="0"/>
+              <a:buChar char="•"/>
+            </a:pPr>
+            <a:r>
+              <a:rPr lang="en-US" sz="1800" cap="none" spc="0" dirty="0">
+                <a:solidFill>
+                  <a:srgbClr val="00B050"/>
+                </a:solidFill>
+                <a:ea typeface="+mn-ea"/>
+                <a:cs typeface="+mn-cs"/>
+              </a:rPr>
+              <a:t>The results show that there is an extremely strong positive relationship between trade parameters and GDP per Capita.</a:t>
+            </a:r>
+          </a:p>
+        </p:txBody>
+      </p:sp>
+      <p:pic>
+        <p:nvPicPr>
+          <p:cNvPr id="3" name="Picture 2">
+            <a:extLst>
+              <a:ext uri="{FF2B5EF4-FFF2-40B4-BE49-F238E27FC236}">
+                <a16:creationId xmlns:a16="http://schemas.microsoft.com/office/drawing/2014/main" id="{38AF02DE-234E-4DF0-914D-17F2BF715151}"/>
+              </a:ext>
+            </a:extLst>
+          </p:cNvPr>
+          <p:cNvPicPr>
+            <a:picLocks noChangeAspect="1"/>
+          </p:cNvPicPr>
+          <p:nvPr/>
+        </p:nvPicPr>
+        <p:blipFill>
+          <a:blip r:embed="rId3"/>
+          <a:stretch>
+            <a:fillRect/>
+          </a:stretch>
+        </p:blipFill>
+        <p:spPr>
+          <a:xfrm>
+            <a:off x="2793202" y="688181"/>
+            <a:ext cx="6605588" cy="4728590"/>
+          </a:xfrm>
+          <a:prstGeom prst="rect">
+            <a:avLst/>
+          </a:prstGeom>
+        </p:spPr>
+      </p:pic>
+      <p:sp>
+        <p:nvSpPr>
+          <p:cNvPr id="7" name="TextBox 6">
+            <a:extLst>
+              <a:ext uri="{FF2B5EF4-FFF2-40B4-BE49-F238E27FC236}">
+                <a16:creationId xmlns:a16="http://schemas.microsoft.com/office/drawing/2014/main" id="{39E60D78-8888-4427-A474-BBABC354C949}"/>
+              </a:ext>
+            </a:extLst>
+          </p:cNvPr>
+          <p:cNvSpPr txBox="1"/>
+          <p:nvPr/>
+        </p:nvSpPr>
+        <p:spPr>
+          <a:xfrm>
+            <a:off x="219074" y="1447060"/>
+            <a:ext cx="2444227" cy="923330"/>
+          </a:xfrm>
+          <a:prstGeom prst="rect">
+            <a:avLst/>
+          </a:prstGeom>
+          <a:noFill/>
+          <a:ln>
+            <a:solidFill>
+              <a:schemeClr val="bg1"/>
+            </a:solidFill>
+          </a:ln>
+        </p:spPr>
+        <p:txBody>
+          <a:bodyPr wrap="square" rtlCol="0">
+            <a:spAutoFit/>
+          </a:bodyPr>
+          <a:lstStyle/>
+          <a:p>
+            <a:r>
+              <a:rPr lang="en-US" dirty="0">
+                <a:solidFill>
+                  <a:schemeClr val="bg1"/>
+                </a:solidFill>
+              </a:rPr>
+              <a:t>It is unclear what is responsible for the dip in the data here.</a:t>
+            </a:r>
+          </a:p>
+        </p:txBody>
+      </p:sp>
+      <p:cxnSp>
+        <p:nvCxnSpPr>
+          <p:cNvPr id="9" name="Straight Arrow Connector 8">
+            <a:extLst>
+              <a:ext uri="{FF2B5EF4-FFF2-40B4-BE49-F238E27FC236}">
+                <a16:creationId xmlns:a16="http://schemas.microsoft.com/office/drawing/2014/main" id="{8345ED5A-7DB9-4F77-B9D5-321767B0EF39}"/>
+              </a:ext>
+            </a:extLst>
+          </p:cNvPr>
+          <p:cNvCxnSpPr>
+            <a:stCxn id="7" idx="3"/>
+          </p:cNvCxnSpPr>
+          <p:nvPr/>
+        </p:nvCxnSpPr>
+        <p:spPr>
+          <a:xfrm>
+            <a:off x="2663301" y="1908725"/>
+            <a:ext cx="1937274" cy="1282150"/>
+          </a:xfrm>
+          <a:prstGeom prst="straightConnector1">
+            <a:avLst/>
+          </a:prstGeom>
+          <a:ln>
+            <a:solidFill>
+              <a:srgbClr val="050C12"/>
+            </a:solidFill>
+            <a:tailEnd type="triangle"/>
+          </a:ln>
+        </p:spPr>
+        <p:style>
+          <a:lnRef idx="1">
+            <a:schemeClr val="accent1"/>
+          </a:lnRef>
+          <a:fillRef idx="0">
+            <a:schemeClr val="accent1"/>
+          </a:fillRef>
+          <a:effectRef idx="0">
+            <a:schemeClr val="accent1"/>
+          </a:effectRef>
+          <a:fontRef idx="minor">
+            <a:schemeClr val="tx1"/>
+          </a:fontRef>
+        </p:style>
+      </p:cxnSp>
+    </p:spTree>
+    <p:extLst>
+      <p:ext uri="{BB962C8B-B14F-4D97-AF65-F5344CB8AC3E}">
+        <p14:creationId xmlns:p14="http://schemas.microsoft.com/office/powerpoint/2010/main" val="723821682"/>
+      </p:ext>
+    </p:extLst>
+  </p:cSld>
+  <p:clrMapOvr>
+    <a:masterClrMapping/>
+  </p:clrMapOvr>
+</p:sld>
+</file>
+
+<file path=ppt/slides/slide19.xml><?xml version="1.0" encoding="utf-8"?>
+<p:sld xmlns:a="http://schemas.openxmlformats.org/drawingml/2006/main" xmlns:r="http://schemas.openxmlformats.org/officeDocument/2006/relationships" xmlns:p="http://schemas.openxmlformats.org/presentationml/2006/main">
+  <p:cSld>
+    <p:bg>
+      <p:bgPr>
+        <a:blipFill dpi="0" rotWithShape="1">
+          <a:blip r:embed="rId2">
+            <a:lum/>
+          </a:blip>
+          <a:srcRect/>
+          <a:stretch>
+            <a:fillRect/>
+          </a:stretch>
+        </a:blipFill>
+        <a:effectLst/>
+      </p:bgPr>
+    </p:bg>
+    <p:spTree>
+      <p:nvGrpSpPr>
+        <p:cNvPr id="1" name=""/>
+        <p:cNvGrpSpPr/>
+        <p:nvPr/>
+      </p:nvGrpSpPr>
+      <p:grpSpPr>
+        <a:xfrm>
+          <a:off x="0" y="0"/>
+          <a:ext cx="0" cy="0"/>
+          <a:chOff x="0" y="0"/>
+          <a:chExt cx="0" cy="0"/>
+        </a:xfrm>
+      </p:grpSpPr>
+      <p:sp>
+        <p:nvSpPr>
+          <p:cNvPr id="2" name="Title 1">
+            <a:extLst>
+              <a:ext uri="{FF2B5EF4-FFF2-40B4-BE49-F238E27FC236}">
+                <a16:creationId xmlns:a16="http://schemas.microsoft.com/office/drawing/2014/main" id="{777AC9F8-7FA8-4BA8-ACEC-CE735746B6D5}"/>
+              </a:ext>
+            </a:extLst>
+          </p:cNvPr>
+          <p:cNvSpPr>
+            <a:spLocks noGrp="1"/>
+          </p:cNvSpPr>
+          <p:nvPr>
+            <p:ph type="title"/>
+          </p:nvPr>
+        </p:nvSpPr>
+        <p:spPr>
+          <a:xfrm>
+            <a:off x="2231136" y="2698242"/>
+            <a:ext cx="7729728" cy="1188720"/>
+          </a:xfrm>
+          <a:gradFill flip="none" rotWithShape="1">
+            <a:gsLst>
+              <a:gs pos="0">
+                <a:schemeClr val="accent6">
+                  <a:lumMod val="5000"/>
+                  <a:lumOff val="95000"/>
+                </a:schemeClr>
+              </a:gs>
+              <a:gs pos="100000">
+                <a:schemeClr val="accent6">
+                  <a:lumMod val="45000"/>
+                  <a:lumOff val="55000"/>
+                </a:schemeClr>
+              </a:gs>
+              <a:gs pos="100000">
+                <a:schemeClr val="accent6">
+                  <a:lumMod val="45000"/>
+                  <a:lumOff val="55000"/>
+                </a:schemeClr>
+              </a:gs>
+              <a:gs pos="100000">
+                <a:schemeClr val="accent6">
+                  <a:lumMod val="30000"/>
+                  <a:lumOff val="70000"/>
+                </a:schemeClr>
+              </a:gs>
+            </a:gsLst>
+            <a:path path="shape">
+              <a:fillToRect l="50000" t="50000" r="50000" b="50000"/>
+            </a:path>
+            <a:tileRect/>
+          </a:gradFill>
+        </p:spPr>
+        <p:txBody>
+          <a:bodyPr/>
+          <a:lstStyle/>
+          <a:p>
+            <a:r>
+              <a:rPr lang="en-US" dirty="0"/>
+              <a:t>Predictions</a:t>
+            </a:r>
+          </a:p>
+        </p:txBody>
+      </p:sp>
+    </p:spTree>
+    <p:extLst>
+      <p:ext uri="{BB962C8B-B14F-4D97-AF65-F5344CB8AC3E}">
+        <p14:creationId xmlns:p14="http://schemas.microsoft.com/office/powerpoint/2010/main" val="3290838798"/>
       </p:ext>
     </p:extLst>
   </p:cSld>
@@ -31867,6 +34003,869 @@
     <p:extLst>
       <p:ext uri="{BB962C8B-B14F-4D97-AF65-F5344CB8AC3E}">
         <p14:creationId xmlns:p14="http://schemas.microsoft.com/office/powerpoint/2010/main" val="2147088021"/>
+      </p:ext>
+    </p:extLst>
+  </p:cSld>
+  <p:clrMapOvr>
+    <a:masterClrMapping/>
+  </p:clrMapOvr>
+</p:sld>
+</file>
+
+<file path=ppt/slides/slide20.xml><?xml version="1.0" encoding="utf-8"?>
+<p:sld xmlns:a="http://schemas.openxmlformats.org/drawingml/2006/main" xmlns:r="http://schemas.openxmlformats.org/officeDocument/2006/relationships" xmlns:p="http://schemas.openxmlformats.org/presentationml/2006/main">
+  <p:cSld>
+    <p:bg>
+      <p:bgPr>
+        <a:blipFill dpi="0" rotWithShape="1">
+          <a:blip r:embed="rId2">
+            <a:lum/>
+          </a:blip>
+          <a:srcRect/>
+          <a:stretch>
+            <a:fillRect t="-3000" b="-3000"/>
+          </a:stretch>
+        </a:blipFill>
+        <a:effectLst/>
+      </p:bgPr>
+    </p:bg>
+    <p:spTree>
+      <p:nvGrpSpPr>
+        <p:cNvPr id="1" name=""/>
+        <p:cNvGrpSpPr/>
+        <p:nvPr/>
+      </p:nvGrpSpPr>
+      <p:grpSpPr>
+        <a:xfrm>
+          <a:off x="0" y="0"/>
+          <a:ext cx="0" cy="0"/>
+          <a:chOff x="0" y="0"/>
+          <a:chExt cx="0" cy="0"/>
+        </a:xfrm>
+      </p:grpSpPr>
+      <p:sp>
+        <p:nvSpPr>
+          <p:cNvPr id="2" name="Title 1">
+            <a:extLst>
+              <a:ext uri="{FF2B5EF4-FFF2-40B4-BE49-F238E27FC236}">
+                <a16:creationId xmlns:a16="http://schemas.microsoft.com/office/drawing/2014/main" id="{0615068A-E97E-4791-9D97-E6FBD825DB98}"/>
+              </a:ext>
+            </a:extLst>
+          </p:cNvPr>
+          <p:cNvSpPr>
+            <a:spLocks noGrp="1"/>
+          </p:cNvSpPr>
+          <p:nvPr>
+            <p:ph type="title"/>
+          </p:nvPr>
+        </p:nvSpPr>
+        <p:spPr>
+          <a:xfrm>
+            <a:off x="2231136" y="107442"/>
+            <a:ext cx="7729728" cy="1188720"/>
+          </a:xfrm>
+          <a:gradFill flip="none" rotWithShape="1">
+            <a:gsLst>
+              <a:gs pos="0">
+                <a:srgbClr val="00B0F0"/>
+              </a:gs>
+              <a:gs pos="38000">
+                <a:srgbClr val="00B0F0"/>
+              </a:gs>
+              <a:gs pos="100000">
+                <a:srgbClr val="004A82"/>
+              </a:gs>
+            </a:gsLst>
+            <a:path path="shape">
+              <a:fillToRect l="50000" t="50000" r="50000" b="50000"/>
+            </a:path>
+            <a:tileRect/>
+          </a:gradFill>
+        </p:spPr>
+        <p:txBody>
+          <a:bodyPr/>
+          <a:lstStyle/>
+          <a:p>
+            <a:r>
+              <a:rPr lang="en-US" dirty="0">
+                <a:solidFill>
+                  <a:schemeClr val="bg1"/>
+                </a:solidFill>
+              </a:rPr>
+              <a:t>Purpose</a:t>
+            </a:r>
+          </a:p>
+        </p:txBody>
+      </p:sp>
+      <p:sp>
+        <p:nvSpPr>
+          <p:cNvPr id="3" name="Content Placeholder 2">
+            <a:extLst>
+              <a:ext uri="{FF2B5EF4-FFF2-40B4-BE49-F238E27FC236}">
+                <a16:creationId xmlns:a16="http://schemas.microsoft.com/office/drawing/2014/main" id="{0C5903D4-2C53-4AC7-A65D-483C2440D7AB}"/>
+              </a:ext>
+            </a:extLst>
+          </p:cNvPr>
+          <p:cNvSpPr>
+            <a:spLocks noGrp="1"/>
+          </p:cNvSpPr>
+          <p:nvPr>
+            <p:ph idx="1"/>
+          </p:nvPr>
+        </p:nvSpPr>
+        <p:spPr>
+          <a:xfrm>
+            <a:off x="180975" y="5600700"/>
+            <a:ext cx="11839575" cy="1257300"/>
+          </a:xfrm>
+          <a:gradFill>
+            <a:gsLst>
+              <a:gs pos="0">
+                <a:srgbClr val="00B0F0"/>
+              </a:gs>
+              <a:gs pos="38000">
+                <a:srgbClr val="00B0F0"/>
+              </a:gs>
+              <a:gs pos="100000">
+                <a:srgbClr val="004A82"/>
+              </a:gs>
+            </a:gsLst>
+            <a:path path="shape">
+              <a:fillToRect l="50000" t="50000" r="50000" b="50000"/>
+            </a:path>
+          </a:gradFill>
+          <a:ln>
+            <a:solidFill>
+              <a:srgbClr val="404040"/>
+            </a:solidFill>
+          </a:ln>
+        </p:spPr>
+        <p:txBody>
+          <a:bodyPr/>
+          <a:lstStyle/>
+          <a:p>
+            <a:r>
+              <a:rPr lang="en-US" dirty="0">
+                <a:solidFill>
+                  <a:schemeClr val="bg1"/>
+                </a:solidFill>
+              </a:rPr>
+              <a:t>We wanted to see the level of differences between the top 5 &amp; bottom 5 countries in a couple of years.</a:t>
+            </a:r>
+          </a:p>
+          <a:p>
+            <a:r>
+              <a:rPr lang="en-US" dirty="0">
+                <a:solidFill>
+                  <a:schemeClr val="bg1"/>
+                </a:solidFill>
+              </a:rPr>
+              <a:t>It was also desired to see whether any of the bottom 5 countries in one year “escaped” the bottom 5 and whether it was because of sharp increases in trade and/or whether it led to improvements in well-being values.</a:t>
+            </a:r>
+          </a:p>
+          <a:p>
+            <a:endParaRPr lang="en-US" dirty="0">
+              <a:solidFill>
+                <a:schemeClr val="bg1"/>
+              </a:solidFill>
+            </a:endParaRPr>
+          </a:p>
+        </p:txBody>
+      </p:sp>
+    </p:spTree>
+    <p:extLst>
+      <p:ext uri="{BB962C8B-B14F-4D97-AF65-F5344CB8AC3E}">
+        <p14:creationId xmlns:p14="http://schemas.microsoft.com/office/powerpoint/2010/main" val="2087730241"/>
+      </p:ext>
+    </p:extLst>
+  </p:cSld>
+  <p:clrMapOvr>
+    <a:masterClrMapping/>
+  </p:clrMapOvr>
+</p:sld>
+</file>
+
+<file path=ppt/slides/slide21.xml><?xml version="1.0" encoding="utf-8"?>
+<p:sld xmlns:a="http://schemas.openxmlformats.org/drawingml/2006/main" xmlns:r="http://schemas.openxmlformats.org/officeDocument/2006/relationships" xmlns:p="http://schemas.openxmlformats.org/presentationml/2006/main">
+  <p:cSld>
+    <p:bg>
+      <p:bgPr>
+        <a:blipFill dpi="0" rotWithShape="1">
+          <a:blip r:embed="rId2">
+            <a:lum/>
+          </a:blip>
+          <a:srcRect/>
+          <a:stretch>
+            <a:fillRect t="-3000" b="-3000"/>
+          </a:stretch>
+        </a:blipFill>
+        <a:effectLst/>
+      </p:bgPr>
+    </p:bg>
+    <p:spTree>
+      <p:nvGrpSpPr>
+        <p:cNvPr id="1" name=""/>
+        <p:cNvGrpSpPr/>
+        <p:nvPr/>
+      </p:nvGrpSpPr>
+      <p:grpSpPr>
+        <a:xfrm>
+          <a:off x="0" y="0"/>
+          <a:ext cx="0" cy="0"/>
+          <a:chOff x="0" y="0"/>
+          <a:chExt cx="0" cy="0"/>
+        </a:xfrm>
+      </p:grpSpPr>
+      <p:sp>
+        <p:nvSpPr>
+          <p:cNvPr id="2" name="Title 1">
+            <a:extLst>
+              <a:ext uri="{FF2B5EF4-FFF2-40B4-BE49-F238E27FC236}">
+                <a16:creationId xmlns:a16="http://schemas.microsoft.com/office/drawing/2014/main" id="{0615068A-E97E-4791-9D97-E6FBD825DB98}"/>
+              </a:ext>
+            </a:extLst>
+          </p:cNvPr>
+          <p:cNvSpPr>
+            <a:spLocks noGrp="1"/>
+          </p:cNvSpPr>
+          <p:nvPr>
+            <p:ph type="title"/>
+          </p:nvPr>
+        </p:nvSpPr>
+        <p:spPr>
+          <a:xfrm>
+            <a:off x="2231136" y="107442"/>
+            <a:ext cx="7729728" cy="997458"/>
+          </a:xfrm>
+          <a:gradFill flip="none" rotWithShape="1">
+            <a:gsLst>
+              <a:gs pos="0">
+                <a:srgbClr val="00B0F0"/>
+              </a:gs>
+              <a:gs pos="38000">
+                <a:srgbClr val="00B0F0"/>
+              </a:gs>
+              <a:gs pos="100000">
+                <a:srgbClr val="004A82"/>
+              </a:gs>
+            </a:gsLst>
+            <a:path path="shape">
+              <a:fillToRect l="50000" t="50000" r="50000" b="50000"/>
+            </a:path>
+            <a:tileRect/>
+          </a:gradFill>
+        </p:spPr>
+        <p:txBody>
+          <a:bodyPr/>
+          <a:lstStyle/>
+          <a:p>
+            <a:r>
+              <a:rPr lang="en-US" dirty="0">
+                <a:solidFill>
+                  <a:schemeClr val="bg1"/>
+                </a:solidFill>
+              </a:rPr>
+              <a:t>GDP per Capita differences</a:t>
+            </a:r>
+          </a:p>
+        </p:txBody>
+      </p:sp>
+      <p:sp>
+        <p:nvSpPr>
+          <p:cNvPr id="3" name="Content Placeholder 2">
+            <a:extLst>
+              <a:ext uri="{FF2B5EF4-FFF2-40B4-BE49-F238E27FC236}">
+                <a16:creationId xmlns:a16="http://schemas.microsoft.com/office/drawing/2014/main" id="{0C5903D4-2C53-4AC7-A65D-483C2440D7AB}"/>
+              </a:ext>
+            </a:extLst>
+          </p:cNvPr>
+          <p:cNvSpPr>
+            <a:spLocks noGrp="1"/>
+          </p:cNvSpPr>
+          <p:nvPr>
+            <p:ph idx="1"/>
+          </p:nvPr>
+        </p:nvSpPr>
+        <p:spPr>
+          <a:xfrm>
+            <a:off x="180975" y="5657850"/>
+            <a:ext cx="11839575" cy="1200150"/>
+          </a:xfrm>
+          <a:gradFill>
+            <a:gsLst>
+              <a:gs pos="0">
+                <a:srgbClr val="00B0F0"/>
+              </a:gs>
+              <a:gs pos="38000">
+                <a:srgbClr val="00B0F0"/>
+              </a:gs>
+              <a:gs pos="100000">
+                <a:srgbClr val="004A82"/>
+              </a:gs>
+            </a:gsLst>
+            <a:path path="shape">
+              <a:fillToRect l="50000" t="50000" r="50000" b="50000"/>
+            </a:path>
+          </a:gradFill>
+          <a:ln>
+            <a:solidFill>
+              <a:srgbClr val="404040"/>
+            </a:solidFill>
+          </a:ln>
+        </p:spPr>
+        <p:txBody>
+          <a:bodyPr/>
+          <a:lstStyle/>
+          <a:p>
+            <a:r>
+              <a:rPr lang="en-US" dirty="0">
+                <a:solidFill>
+                  <a:schemeClr val="bg1"/>
+                </a:solidFill>
+              </a:rPr>
+              <a:t>There is a several order of magnitude difference in GDP per Capita between the top 5 &amp; bottom 5 countries.</a:t>
+            </a:r>
+          </a:p>
+          <a:p>
+            <a:r>
+              <a:rPr lang="en-US" dirty="0">
+                <a:solidFill>
+                  <a:schemeClr val="bg1"/>
+                </a:solidFill>
+              </a:rPr>
+              <a:t>The countries of Nepal, Tanzania, and Sierra Leone “escaped” the bottom 5.</a:t>
+            </a:r>
+          </a:p>
+          <a:p>
+            <a:endParaRPr lang="en-US" dirty="0">
+              <a:solidFill>
+                <a:schemeClr val="bg1"/>
+              </a:solidFill>
+            </a:endParaRPr>
+          </a:p>
+        </p:txBody>
+      </p:sp>
+      <p:pic>
+        <p:nvPicPr>
+          <p:cNvPr id="4" name="Picture 3">
+            <a:extLst>
+              <a:ext uri="{FF2B5EF4-FFF2-40B4-BE49-F238E27FC236}">
+                <a16:creationId xmlns:a16="http://schemas.microsoft.com/office/drawing/2014/main" id="{E4A52BF2-BAF6-4AA4-B4A0-E2A071DF6954}"/>
+              </a:ext>
+            </a:extLst>
+          </p:cNvPr>
+          <p:cNvPicPr>
+            <a:picLocks noChangeAspect="1"/>
+          </p:cNvPicPr>
+          <p:nvPr/>
+        </p:nvPicPr>
+        <p:blipFill>
+          <a:blip r:embed="rId3"/>
+          <a:stretch>
+            <a:fillRect/>
+          </a:stretch>
+        </p:blipFill>
+        <p:spPr>
+          <a:xfrm>
+            <a:off x="171450" y="1104900"/>
+            <a:ext cx="4876800" cy="4038600"/>
+          </a:xfrm>
+          <a:prstGeom prst="rect">
+            <a:avLst/>
+          </a:prstGeom>
+        </p:spPr>
+      </p:pic>
+      <p:pic>
+        <p:nvPicPr>
+          <p:cNvPr id="5" name="Picture 4">
+            <a:extLst>
+              <a:ext uri="{FF2B5EF4-FFF2-40B4-BE49-F238E27FC236}">
+                <a16:creationId xmlns:a16="http://schemas.microsoft.com/office/drawing/2014/main" id="{E217A6F2-5AED-4DF5-8267-251B74975027}"/>
+              </a:ext>
+            </a:extLst>
+          </p:cNvPr>
+          <p:cNvPicPr>
+            <a:picLocks noChangeAspect="1"/>
+          </p:cNvPicPr>
+          <p:nvPr/>
+        </p:nvPicPr>
+        <p:blipFill>
+          <a:blip r:embed="rId4"/>
+          <a:stretch>
+            <a:fillRect/>
+          </a:stretch>
+        </p:blipFill>
+        <p:spPr>
+          <a:xfrm>
+            <a:off x="7143750" y="1095376"/>
+            <a:ext cx="4876800" cy="4038600"/>
+          </a:xfrm>
+          <a:prstGeom prst="rect">
+            <a:avLst/>
+          </a:prstGeom>
+        </p:spPr>
+      </p:pic>
+    </p:spTree>
+    <p:extLst>
+      <p:ext uri="{BB962C8B-B14F-4D97-AF65-F5344CB8AC3E}">
+        <p14:creationId xmlns:p14="http://schemas.microsoft.com/office/powerpoint/2010/main" val="2657948030"/>
+      </p:ext>
+    </p:extLst>
+  </p:cSld>
+  <p:clrMapOvr>
+    <a:masterClrMapping/>
+  </p:clrMapOvr>
+</p:sld>
+</file>
+
+<file path=ppt/slides/slide22.xml><?xml version="1.0" encoding="utf-8"?>
+<p:sld xmlns:a="http://schemas.openxmlformats.org/drawingml/2006/main" xmlns:r="http://schemas.openxmlformats.org/officeDocument/2006/relationships" xmlns:p="http://schemas.openxmlformats.org/presentationml/2006/main">
+  <p:cSld>
+    <p:bg>
+      <p:bgPr>
+        <a:blipFill dpi="0" rotWithShape="1">
+          <a:blip r:embed="rId2">
+            <a:lum/>
+          </a:blip>
+          <a:srcRect/>
+          <a:stretch>
+            <a:fillRect t="-3000" b="-3000"/>
+          </a:stretch>
+        </a:blipFill>
+        <a:effectLst/>
+      </p:bgPr>
+    </p:bg>
+    <p:spTree>
+      <p:nvGrpSpPr>
+        <p:cNvPr id="1" name=""/>
+        <p:cNvGrpSpPr/>
+        <p:nvPr/>
+      </p:nvGrpSpPr>
+      <p:grpSpPr>
+        <a:xfrm>
+          <a:off x="0" y="0"/>
+          <a:ext cx="0" cy="0"/>
+          <a:chOff x="0" y="0"/>
+          <a:chExt cx="0" cy="0"/>
+        </a:xfrm>
+      </p:grpSpPr>
+      <p:sp>
+        <p:nvSpPr>
+          <p:cNvPr id="2" name="Title 1">
+            <a:extLst>
+              <a:ext uri="{FF2B5EF4-FFF2-40B4-BE49-F238E27FC236}">
+                <a16:creationId xmlns:a16="http://schemas.microsoft.com/office/drawing/2014/main" id="{0615068A-E97E-4791-9D97-E6FBD825DB98}"/>
+              </a:ext>
+            </a:extLst>
+          </p:cNvPr>
+          <p:cNvSpPr>
+            <a:spLocks noGrp="1"/>
+          </p:cNvSpPr>
+          <p:nvPr>
+            <p:ph type="title"/>
+          </p:nvPr>
+        </p:nvSpPr>
+        <p:spPr>
+          <a:xfrm>
+            <a:off x="2231136" y="107442"/>
+            <a:ext cx="7729728" cy="997458"/>
+          </a:xfrm>
+          <a:gradFill flip="none" rotWithShape="1">
+            <a:gsLst>
+              <a:gs pos="0">
+                <a:srgbClr val="00B0F0"/>
+              </a:gs>
+              <a:gs pos="38000">
+                <a:srgbClr val="00B0F0"/>
+              </a:gs>
+              <a:gs pos="100000">
+                <a:srgbClr val="004A82"/>
+              </a:gs>
+            </a:gsLst>
+            <a:path path="shape">
+              <a:fillToRect l="50000" t="50000" r="50000" b="50000"/>
+            </a:path>
+            <a:tileRect/>
+          </a:gradFill>
+        </p:spPr>
+        <p:txBody>
+          <a:bodyPr/>
+          <a:lstStyle/>
+          <a:p>
+            <a:r>
+              <a:rPr lang="en-US" dirty="0">
+                <a:solidFill>
+                  <a:schemeClr val="bg1"/>
+                </a:solidFill>
+              </a:rPr>
+              <a:t>Effect of trade on </a:t>
+            </a:r>
+            <a:r>
+              <a:rPr lang="en-US" dirty="0" err="1">
+                <a:solidFill>
+                  <a:schemeClr val="bg1"/>
+                </a:solidFill>
+              </a:rPr>
+              <a:t>gdp</a:t>
+            </a:r>
+            <a:r>
+              <a:rPr lang="en-US" dirty="0">
+                <a:solidFill>
+                  <a:schemeClr val="bg1"/>
+                </a:solidFill>
+              </a:rPr>
+              <a:t> per Capita</a:t>
+            </a:r>
+          </a:p>
+        </p:txBody>
+      </p:sp>
+      <p:sp>
+        <p:nvSpPr>
+          <p:cNvPr id="3" name="Content Placeholder 2">
+            <a:extLst>
+              <a:ext uri="{FF2B5EF4-FFF2-40B4-BE49-F238E27FC236}">
+                <a16:creationId xmlns:a16="http://schemas.microsoft.com/office/drawing/2014/main" id="{0C5903D4-2C53-4AC7-A65D-483C2440D7AB}"/>
+              </a:ext>
+            </a:extLst>
+          </p:cNvPr>
+          <p:cNvSpPr>
+            <a:spLocks noGrp="1"/>
+          </p:cNvSpPr>
+          <p:nvPr>
+            <p:ph idx="1"/>
+          </p:nvPr>
+        </p:nvSpPr>
+        <p:spPr>
+          <a:xfrm>
+            <a:off x="180975" y="5657850"/>
+            <a:ext cx="11839575" cy="1200150"/>
+          </a:xfrm>
+          <a:gradFill>
+            <a:gsLst>
+              <a:gs pos="0">
+                <a:srgbClr val="00B0F0"/>
+              </a:gs>
+              <a:gs pos="38000">
+                <a:srgbClr val="00B0F0"/>
+              </a:gs>
+              <a:gs pos="100000">
+                <a:srgbClr val="004A82"/>
+              </a:gs>
+            </a:gsLst>
+            <a:path path="shape">
+              <a:fillToRect l="50000" t="50000" r="50000" b="50000"/>
+            </a:path>
+          </a:gradFill>
+          <a:ln>
+            <a:solidFill>
+              <a:srgbClr val="404040"/>
+            </a:solidFill>
+          </a:ln>
+        </p:spPr>
+        <p:txBody>
+          <a:bodyPr>
+            <a:normAutofit fontScale="92500" lnSpcReduction="10000"/>
+          </a:bodyPr>
+          <a:lstStyle/>
+          <a:p>
+            <a:r>
+              <a:rPr lang="en-US" dirty="0">
+                <a:solidFill>
+                  <a:schemeClr val="bg1"/>
+                </a:solidFill>
+              </a:rPr>
+              <a:t>Of the countries of Nepal, Tanzania, and Sierra Leone that “escaped” the bottom 5, Nepal &amp; Tanzania had the largest increases in trade, but Sierra Leone didn’t.</a:t>
+            </a:r>
+          </a:p>
+          <a:p>
+            <a:r>
+              <a:rPr lang="en-US" dirty="0">
+                <a:solidFill>
+                  <a:schemeClr val="bg1"/>
+                </a:solidFill>
+              </a:rPr>
+              <a:t>This would likely indicate that trade can improve the productivity of a country, but it is not a perfect predictor for individual countries between two separate years.</a:t>
+            </a:r>
+          </a:p>
+          <a:p>
+            <a:endParaRPr lang="en-US" dirty="0">
+              <a:solidFill>
+                <a:schemeClr val="bg1"/>
+              </a:solidFill>
+            </a:endParaRPr>
+          </a:p>
+        </p:txBody>
+      </p:sp>
+      <p:pic>
+        <p:nvPicPr>
+          <p:cNvPr id="6" name="Picture 5">
+            <a:extLst>
+              <a:ext uri="{FF2B5EF4-FFF2-40B4-BE49-F238E27FC236}">
+                <a16:creationId xmlns:a16="http://schemas.microsoft.com/office/drawing/2014/main" id="{D5A0EF12-F26B-4694-BCD0-AE7E1D5147BB}"/>
+              </a:ext>
+            </a:extLst>
+          </p:cNvPr>
+          <p:cNvPicPr>
+            <a:picLocks noChangeAspect="1"/>
+          </p:cNvPicPr>
+          <p:nvPr/>
+        </p:nvPicPr>
+        <p:blipFill>
+          <a:blip r:embed="rId3"/>
+          <a:stretch>
+            <a:fillRect/>
+          </a:stretch>
+        </p:blipFill>
+        <p:spPr>
+          <a:xfrm>
+            <a:off x="3676650" y="1130165"/>
+            <a:ext cx="4838700" cy="4502420"/>
+          </a:xfrm>
+          <a:prstGeom prst="rect">
+            <a:avLst/>
+          </a:prstGeom>
+        </p:spPr>
+      </p:pic>
+    </p:spTree>
+    <p:extLst>
+      <p:ext uri="{BB962C8B-B14F-4D97-AF65-F5344CB8AC3E}">
+        <p14:creationId xmlns:p14="http://schemas.microsoft.com/office/powerpoint/2010/main" val="1250515265"/>
+      </p:ext>
+    </p:extLst>
+  </p:cSld>
+  <p:clrMapOvr>
+    <a:masterClrMapping/>
+  </p:clrMapOvr>
+</p:sld>
+</file>
+
+<file path=ppt/slides/slide23.xml><?xml version="1.0" encoding="utf-8"?>
+<p:sld xmlns:a="http://schemas.openxmlformats.org/drawingml/2006/main" xmlns:r="http://schemas.openxmlformats.org/officeDocument/2006/relationships" xmlns:p="http://schemas.openxmlformats.org/presentationml/2006/main">
+  <p:cSld>
+    <p:bg>
+      <p:bgPr>
+        <a:blipFill dpi="0" rotWithShape="1">
+          <a:blip r:embed="rId2">
+            <a:lum/>
+          </a:blip>
+          <a:srcRect/>
+          <a:stretch>
+            <a:fillRect t="-3000" b="-3000"/>
+          </a:stretch>
+        </a:blipFill>
+        <a:effectLst/>
+      </p:bgPr>
+    </p:bg>
+    <p:spTree>
+      <p:nvGrpSpPr>
+        <p:cNvPr id="1" name=""/>
+        <p:cNvGrpSpPr/>
+        <p:nvPr/>
+      </p:nvGrpSpPr>
+      <p:grpSpPr>
+        <a:xfrm>
+          <a:off x="0" y="0"/>
+          <a:ext cx="0" cy="0"/>
+          <a:chOff x="0" y="0"/>
+          <a:chExt cx="0" cy="0"/>
+        </a:xfrm>
+      </p:grpSpPr>
+      <p:sp>
+        <p:nvSpPr>
+          <p:cNvPr id="2" name="Title 1">
+            <a:extLst>
+              <a:ext uri="{FF2B5EF4-FFF2-40B4-BE49-F238E27FC236}">
+                <a16:creationId xmlns:a16="http://schemas.microsoft.com/office/drawing/2014/main" id="{0615068A-E97E-4791-9D97-E6FBD825DB98}"/>
+              </a:ext>
+            </a:extLst>
+          </p:cNvPr>
+          <p:cNvSpPr>
+            <a:spLocks noGrp="1"/>
+          </p:cNvSpPr>
+          <p:nvPr>
+            <p:ph type="title"/>
+          </p:nvPr>
+        </p:nvSpPr>
+        <p:spPr>
+          <a:xfrm>
+            <a:off x="2058543" y="107442"/>
+            <a:ext cx="8074914" cy="997458"/>
+          </a:xfrm>
+          <a:gradFill flip="none" rotWithShape="1">
+            <a:gsLst>
+              <a:gs pos="0">
+                <a:srgbClr val="00B0F0"/>
+              </a:gs>
+              <a:gs pos="38000">
+                <a:srgbClr val="00B0F0"/>
+              </a:gs>
+              <a:gs pos="100000">
+                <a:srgbClr val="004A82"/>
+              </a:gs>
+            </a:gsLst>
+            <a:path path="shape">
+              <a:fillToRect l="50000" t="50000" r="50000" b="50000"/>
+            </a:path>
+            <a:tileRect/>
+          </a:gradFill>
+        </p:spPr>
+        <p:txBody>
+          <a:bodyPr>
+            <a:normAutofit fontScale="90000"/>
+          </a:bodyPr>
+          <a:lstStyle/>
+          <a:p>
+            <a:r>
+              <a:rPr lang="en-US" dirty="0">
+                <a:solidFill>
+                  <a:schemeClr val="bg1"/>
+                </a:solidFill>
+              </a:rPr>
+              <a:t>Effect of </a:t>
+            </a:r>
+            <a:r>
+              <a:rPr lang="en-US" dirty="0" err="1">
+                <a:solidFill>
+                  <a:schemeClr val="bg1"/>
+                </a:solidFill>
+              </a:rPr>
+              <a:t>gdp</a:t>
+            </a:r>
+            <a:r>
+              <a:rPr lang="en-US" dirty="0">
+                <a:solidFill>
+                  <a:schemeClr val="bg1"/>
+                </a:solidFill>
+              </a:rPr>
+              <a:t> per Capita on well-Being</a:t>
+            </a:r>
+          </a:p>
+        </p:txBody>
+      </p:sp>
+      <p:sp>
+        <p:nvSpPr>
+          <p:cNvPr id="3" name="Content Placeholder 2">
+            <a:extLst>
+              <a:ext uri="{FF2B5EF4-FFF2-40B4-BE49-F238E27FC236}">
+                <a16:creationId xmlns:a16="http://schemas.microsoft.com/office/drawing/2014/main" id="{0C5903D4-2C53-4AC7-A65D-483C2440D7AB}"/>
+              </a:ext>
+            </a:extLst>
+          </p:cNvPr>
+          <p:cNvSpPr>
+            <a:spLocks noGrp="1"/>
+          </p:cNvSpPr>
+          <p:nvPr>
+            <p:ph idx="1"/>
+          </p:nvPr>
+        </p:nvSpPr>
+        <p:spPr>
+          <a:xfrm>
+            <a:off x="180975" y="5657850"/>
+            <a:ext cx="11839575" cy="1200150"/>
+          </a:xfrm>
+          <a:gradFill>
+            <a:gsLst>
+              <a:gs pos="0">
+                <a:srgbClr val="00B0F0"/>
+              </a:gs>
+              <a:gs pos="38000">
+                <a:srgbClr val="00B0F0"/>
+              </a:gs>
+              <a:gs pos="100000">
+                <a:srgbClr val="004A82"/>
+              </a:gs>
+            </a:gsLst>
+            <a:path path="shape">
+              <a:fillToRect l="50000" t="50000" r="50000" b="50000"/>
+            </a:path>
+          </a:gradFill>
+          <a:ln>
+            <a:solidFill>
+              <a:srgbClr val="404040"/>
+            </a:solidFill>
+          </a:ln>
+        </p:spPr>
+        <p:txBody>
+          <a:bodyPr>
+            <a:normAutofit fontScale="92500" lnSpcReduction="10000"/>
+          </a:bodyPr>
+          <a:lstStyle/>
+          <a:p>
+            <a:r>
+              <a:rPr lang="en-US" dirty="0">
+                <a:solidFill>
+                  <a:schemeClr val="bg1"/>
+                </a:solidFill>
+              </a:rPr>
+              <a:t>Of the countries of Nepal, Tanzania, and Sierra Leone that “escaped” the bottom 5, all had relatively large improvements in life expectancy &amp; infant mortality rates, but </a:t>
+            </a:r>
+            <a:r>
+              <a:rPr lang="en-US">
+                <a:solidFill>
+                  <a:schemeClr val="bg1"/>
+                </a:solidFill>
+              </a:rPr>
+              <a:t>not always the largest.</a:t>
+            </a:r>
+            <a:endParaRPr lang="en-US" dirty="0">
+              <a:solidFill>
+                <a:schemeClr val="bg1"/>
+              </a:solidFill>
+            </a:endParaRPr>
+          </a:p>
+          <a:p>
+            <a:r>
+              <a:rPr lang="en-US" dirty="0">
+                <a:solidFill>
+                  <a:schemeClr val="bg1"/>
+                </a:solidFill>
+              </a:rPr>
+              <a:t>This would likely indicate that productivity of a country can improve well-being, but it is not a perfect predictor for individual countries between two separate years.</a:t>
+            </a:r>
+          </a:p>
+          <a:p>
+            <a:endParaRPr lang="en-US" dirty="0">
+              <a:solidFill>
+                <a:schemeClr val="bg1"/>
+              </a:solidFill>
+            </a:endParaRPr>
+          </a:p>
+        </p:txBody>
+      </p:sp>
+      <p:pic>
+        <p:nvPicPr>
+          <p:cNvPr id="4" name="Picture 3">
+            <a:extLst>
+              <a:ext uri="{FF2B5EF4-FFF2-40B4-BE49-F238E27FC236}">
+                <a16:creationId xmlns:a16="http://schemas.microsoft.com/office/drawing/2014/main" id="{F95E8C8D-F2A2-4915-8FF3-F3BA50A2B39B}"/>
+              </a:ext>
+            </a:extLst>
+          </p:cNvPr>
+          <p:cNvPicPr>
+            <a:picLocks noChangeAspect="1"/>
+          </p:cNvPicPr>
+          <p:nvPr/>
+        </p:nvPicPr>
+        <p:blipFill>
+          <a:blip r:embed="rId3"/>
+          <a:stretch>
+            <a:fillRect/>
+          </a:stretch>
+        </p:blipFill>
+        <p:spPr>
+          <a:xfrm>
+            <a:off x="3597003" y="1104900"/>
+            <a:ext cx="4997993" cy="4529138"/>
+          </a:xfrm>
+          <a:prstGeom prst="rect">
+            <a:avLst/>
+          </a:prstGeom>
+        </p:spPr>
+      </p:pic>
+    </p:spTree>
+    <p:extLst>
+      <p:ext uri="{BB962C8B-B14F-4D97-AF65-F5344CB8AC3E}">
+        <p14:creationId xmlns:p14="http://schemas.microsoft.com/office/powerpoint/2010/main" val="3032085703"/>
       </p:ext>
     </p:extLst>
   </p:cSld>
